--- a/Figuras/Diagramas en bloques.pptx
+++ b/Figuras/Diagramas en bloques.pptx
@@ -63,7 +63,7 @@
         <p:txBody>
           <a:bodyPr/>
           <a:p>
-            <a:fld id="{4ABD32F0-9B64-4EB0-ACA0-C681F76C4A90}" type="slidenum">
+            <a:fld id="{DBF39A6E-5321-4F4E-92F4-4E2ACDE07B12}" type="slidenum">
               <a:t>&lt;#&gt;</a:t>
             </a:fld>
           </a:p>
@@ -251,7 +251,7 @@
         <p:txBody>
           <a:bodyPr/>
           <a:p>
-            <a:fld id="{C392B99A-1922-412A-887C-93C63F0B28CD}" type="slidenum">
+            <a:fld id="{6F618244-D295-47BF-BF43-4F34EB527E49}" type="slidenum">
               <a:t>&lt;#&gt;</a:t>
             </a:fld>
           </a:p>
@@ -507,7 +507,7 @@
         <p:txBody>
           <a:bodyPr/>
           <a:p>
-            <a:fld id="{18343E7D-0844-4EF3-A1DD-76B67673B600}" type="slidenum">
+            <a:fld id="{39AE31F2-E380-4B0D-A308-4BD64F85CAA3}" type="slidenum">
               <a:t>&lt;#&gt;</a:t>
             </a:fld>
           </a:p>
@@ -831,7 +831,7 @@
         <p:txBody>
           <a:bodyPr/>
           <a:p>
-            <a:fld id="{40696C46-E87C-4D46-9512-0A43AAC5FA07}" type="slidenum">
+            <a:fld id="{AAC9C175-CF3C-4040-988B-6834FA841968}" type="slidenum">
               <a:t>&lt;#&gt;</a:t>
             </a:fld>
           </a:p>
@@ -988,7 +988,7 @@
         <p:txBody>
           <a:bodyPr/>
           <a:p>
-            <a:fld id="{072F567F-9AF3-4C59-ADBD-CE3C1221210A}" type="slidenum">
+            <a:fld id="{2B10F5E4-5B5F-46B4-8817-784CF8861738}" type="slidenum">
               <a:t>&lt;#&gt;</a:t>
             </a:fld>
           </a:p>
@@ -1142,7 +1142,7 @@
         <p:txBody>
           <a:bodyPr/>
           <a:p>
-            <a:fld id="{AFC67167-2A1D-473F-BB59-494DEDB4C7DC}" type="slidenum">
+            <a:fld id="{96281C8C-7A7A-44A3-A90C-D163A5856918}" type="slidenum">
               <a:t>&lt;#&gt;</a:t>
             </a:fld>
           </a:p>
@@ -1330,7 +1330,7 @@
         <p:txBody>
           <a:bodyPr/>
           <a:p>
-            <a:fld id="{8E0FF8DA-DDAF-4022-AD8A-220D8944CF8C}" type="slidenum">
+            <a:fld id="{08247046-418C-4043-AF57-193C4265A2E1}" type="slidenum">
               <a:t>&lt;#&gt;</a:t>
             </a:fld>
           </a:p>
@@ -1450,7 +1450,7 @@
         <p:txBody>
           <a:bodyPr/>
           <a:p>
-            <a:fld id="{4DB162FF-13F6-4D74-86B1-ED57B484E73F}" type="slidenum">
+            <a:fld id="{1E6A03E4-D3B2-4767-B488-C0E4795362D5}" type="slidenum">
               <a:t>&lt;#&gt;</a:t>
             </a:fld>
           </a:p>
@@ -1570,7 +1570,7 @@
         <p:txBody>
           <a:bodyPr/>
           <a:p>
-            <a:fld id="{C18D1FB3-8D73-4F80-92A2-15CDA2FAA62F}" type="slidenum">
+            <a:fld id="{6E55BE99-BBCF-4884-82A6-E41FC68C8F66}" type="slidenum">
               <a:t>&lt;#&gt;</a:t>
             </a:fld>
           </a:p>
@@ -1792,7 +1792,7 @@
         <p:txBody>
           <a:bodyPr/>
           <a:p>
-            <a:fld id="{10B2D296-9384-4BA5-975C-74444A7E0732}" type="slidenum">
+            <a:fld id="{24F31D94-ABD3-450C-8078-15732611BB69}" type="slidenum">
               <a:t>&lt;#&gt;</a:t>
             </a:fld>
           </a:p>
@@ -2014,7 +2014,7 @@
         <p:txBody>
           <a:bodyPr/>
           <a:p>
-            <a:fld id="{0FF3EEBB-A049-41DD-9E36-4662AAC9FE39}" type="slidenum">
+            <a:fld id="{74CF812F-045D-436E-8157-A6DF24508A2F}" type="slidenum">
               <a:t>&lt;#&gt;</a:t>
             </a:fld>
           </a:p>
@@ -2236,7 +2236,7 @@
         <p:txBody>
           <a:bodyPr/>
           <a:p>
-            <a:fld id="{8C3184F1-67F8-442E-A3EC-CB9ED610B8A3}" type="slidenum">
+            <a:fld id="{88C6CDF5-C92B-4515-9D07-8D018CFEDA6B}" type="slidenum">
               <a:t>&lt;#&gt;</a:t>
             </a:fld>
           </a:p>
@@ -2648,7 +2648,7 @@
             <a:pPr algn="r">
               <a:buNone/>
             </a:pPr>
-            <a:fld id="{DBE4AA39-685F-4C80-B166-949360248582}" type="slidenum">
+            <a:fld id="{8994FED7-1D28-4E3A-BF96-B4DD55C403DA}" type="slidenum">
               <a:rPr b="0" lang="es-AR" sz="1400" spc="-1" strike="noStrike">
                 <a:latin typeface="Times New Roman"/>
               </a:rPr>
@@ -2697,529 +2697,924 @@
           <a:chExt cx="0" cy="0"/>
         </a:xfrm>
       </p:grpSpPr>
-      <p:sp>
-        <p:nvSpPr>
+      <p:grpSp>
+        <p:nvGrpSpPr>
           <p:cNvPr id="41" name=""/>
-          <p:cNvSpPr txBox="1"/>
+          <p:cNvGrpSpPr/>
           <p:nvPr/>
-        </p:nvSpPr>
-        <p:spPr>
-          <a:xfrm>
-            <a:off x="3780000" y="837720"/>
-            <a:ext cx="2520000" cy="602280"/>
-          </a:xfrm>
-          <a:prstGeom prst="rect">
-            <a:avLst/>
-          </a:prstGeom>
-          <a:solidFill>
-            <a:srgbClr val="ffb66c"/>
-          </a:solidFill>
-          <a:ln w="0">
-            <a:noFill/>
-          </a:ln>
-        </p:spPr>
-        <p:txBody>
-          <a:bodyPr lIns="90000" rIns="90000" tIns="45000" bIns="45000" anchor="t">
-            <a:noAutofit/>
-          </a:bodyPr>
-          <a:p>
-            <a:pPr algn="ctr">
-              <a:buNone/>
-            </a:pPr>
-            <a:r>
-              <a:rPr b="0" lang="es-AR" sz="1800" spc="-1" strike="noStrike">
-                <a:latin typeface="Arial"/>
-              </a:rPr>
-              <a:t>Sensor de temperatura</a:t>
-            </a:r>
-            <a:endParaRPr b="0" lang="es-AR" sz="1800" spc="-1" strike="noStrike">
-              <a:latin typeface="Arial"/>
-            </a:endParaRPr>
-          </a:p>
-          <a:p>
-            <a:pPr algn="ctr">
-              <a:buNone/>
-            </a:pPr>
-            <a:r>
-              <a:rPr b="0" lang="es-AR" sz="1800" spc="-1" strike="noStrike">
-                <a:latin typeface="Arial"/>
-              </a:rPr>
-              <a:t>BMP280</a:t>
-            </a:r>
-            <a:endParaRPr b="0" lang="es-AR" sz="1800" spc="-1" strike="noStrike">
-              <a:latin typeface="Arial"/>
-            </a:endParaRPr>
-          </a:p>
-        </p:txBody>
-      </p:sp>
-      <p:sp>
-        <p:nvSpPr>
-          <p:cNvPr id="42" name=""/>
-          <p:cNvSpPr/>
-          <p:nvPr/>
-        </p:nvSpPr>
-        <p:spPr>
-          <a:xfrm>
-            <a:off x="5040000" y="1440000"/>
-            <a:ext cx="0" cy="360000"/>
-          </a:xfrm>
-          <a:prstGeom prst="line">
-            <a:avLst/>
-          </a:prstGeom>
-          <a:ln w="0">
-            <a:solidFill>
-              <a:srgbClr val="000000"/>
-            </a:solidFill>
-            <a:tailEnd len="med" type="triangle" w="med"/>
-          </a:ln>
-        </p:spPr>
-        <p:style>
-          <a:lnRef idx="0"/>
-          <a:fillRef idx="0"/>
-          <a:effectRef idx="0"/>
-          <a:fontRef idx="minor"/>
-        </p:style>
-      </p:sp>
-      <p:sp>
-        <p:nvSpPr>
-          <p:cNvPr id="43" name=""/>
-          <p:cNvSpPr txBox="1"/>
-          <p:nvPr/>
-        </p:nvSpPr>
-        <p:spPr>
-          <a:xfrm>
-            <a:off x="3780000" y="1800000"/>
-            <a:ext cx="2520000" cy="602280"/>
-          </a:xfrm>
-          <a:prstGeom prst="rect">
-            <a:avLst/>
-          </a:prstGeom>
-          <a:solidFill>
-            <a:srgbClr val="ec9ba4"/>
-          </a:solidFill>
-          <a:ln w="0">
-            <a:noFill/>
-          </a:ln>
-        </p:spPr>
-        <p:txBody>
-          <a:bodyPr lIns="90000" rIns="90000" tIns="45000" bIns="45000" anchor="t">
-            <a:noAutofit/>
-          </a:bodyPr>
-          <a:p>
-            <a:pPr algn="ctr">
-              <a:buNone/>
-            </a:pPr>
-            <a:r>
-              <a:rPr b="0" lang="es-AR" sz="1800" spc="-1" strike="noStrike">
-                <a:latin typeface="Arial"/>
-              </a:rPr>
-              <a:t>Módulo de control</a:t>
-            </a:r>
-            <a:endParaRPr b="0" lang="es-AR" sz="1800" spc="-1" strike="noStrike">
-              <a:latin typeface="Arial"/>
-            </a:endParaRPr>
-          </a:p>
-          <a:p>
-            <a:pPr algn="ctr">
-              <a:buNone/>
-            </a:pPr>
-            <a:r>
-              <a:rPr b="0" lang="es-AR" sz="1800" spc="-1" strike="noStrike">
-                <a:latin typeface="Arial"/>
-              </a:rPr>
-              <a:t>ESP32</a:t>
-            </a:r>
-            <a:endParaRPr b="0" lang="es-AR" sz="1800" spc="-1" strike="noStrike">
-              <a:latin typeface="Arial"/>
-            </a:endParaRPr>
-          </a:p>
-        </p:txBody>
-      </p:sp>
-      <p:sp>
-        <p:nvSpPr>
-          <p:cNvPr id="44" name=""/>
-          <p:cNvSpPr txBox="1"/>
-          <p:nvPr/>
-        </p:nvSpPr>
-        <p:spPr>
-          <a:xfrm>
-            <a:off x="900000" y="1800000"/>
-            <a:ext cx="2520000" cy="602280"/>
-          </a:xfrm>
-          <a:prstGeom prst="rect">
-            <a:avLst/>
-          </a:prstGeom>
-          <a:solidFill>
-            <a:srgbClr val="ffb66c"/>
-          </a:solidFill>
-          <a:ln w="0">
-            <a:noFill/>
-          </a:ln>
-        </p:spPr>
-        <p:txBody>
-          <a:bodyPr lIns="90000" rIns="90000" tIns="45000" bIns="45000" anchor="t">
-            <a:noAutofit/>
-          </a:bodyPr>
-          <a:p>
-            <a:pPr algn="ctr">
-              <a:buNone/>
-            </a:pPr>
-            <a:r>
-              <a:rPr b="0" lang="es-AR" sz="1800" spc="-1" strike="noStrike">
-                <a:latin typeface="Arial"/>
-              </a:rPr>
-              <a:t>Mando de luces</a:t>
-            </a:r>
-            <a:endParaRPr b="0" lang="es-AR" sz="1800" spc="-1" strike="noStrike">
-              <a:latin typeface="Arial"/>
-            </a:endParaRPr>
-          </a:p>
-          <a:p>
-            <a:pPr algn="ctr">
-              <a:buNone/>
-            </a:pPr>
-            <a:r>
-              <a:rPr b="0" lang="es-AR" sz="1800" spc="-1" strike="noStrike">
-                <a:latin typeface="Arial"/>
-              </a:rPr>
-              <a:t>Potenciómetro digital</a:t>
-            </a:r>
-            <a:endParaRPr b="0" lang="es-AR" sz="1800" spc="-1" strike="noStrike">
-              <a:latin typeface="Arial"/>
-            </a:endParaRPr>
-          </a:p>
-        </p:txBody>
-      </p:sp>
-      <p:sp>
-        <p:nvSpPr>
-          <p:cNvPr id="45" name=""/>
-          <p:cNvSpPr/>
-          <p:nvPr/>
-        </p:nvSpPr>
-        <p:spPr>
-          <a:xfrm>
-            <a:off x="3419640" y="2094840"/>
-            <a:ext cx="360000" cy="0"/>
-          </a:xfrm>
-          <a:prstGeom prst="line">
-            <a:avLst/>
-          </a:prstGeom>
-          <a:ln w="0">
-            <a:solidFill>
-              <a:srgbClr val="000000"/>
-            </a:solidFill>
-            <a:tailEnd len="med" type="triangle" w="med"/>
-          </a:ln>
-        </p:spPr>
-        <p:style>
-          <a:lnRef idx="0"/>
-          <a:fillRef idx="0"/>
-          <a:effectRef idx="0"/>
-          <a:fontRef idx="minor"/>
-        </p:style>
-      </p:sp>
-      <p:sp>
-        <p:nvSpPr>
-          <p:cNvPr id="46" name=""/>
-          <p:cNvSpPr/>
-          <p:nvPr/>
-        </p:nvSpPr>
-        <p:spPr>
-          <a:xfrm>
-            <a:off x="6293160" y="2082960"/>
-            <a:ext cx="360000" cy="0"/>
-          </a:xfrm>
-          <a:prstGeom prst="line">
-            <a:avLst/>
-          </a:prstGeom>
-          <a:ln w="0">
-            <a:solidFill>
-              <a:srgbClr val="000000"/>
-            </a:solidFill>
-            <a:tailEnd len="med" type="triangle" w="med"/>
-          </a:ln>
-        </p:spPr>
-        <p:style>
-          <a:lnRef idx="0"/>
-          <a:fillRef idx="0"/>
-          <a:effectRef idx="0"/>
-          <a:fontRef idx="minor"/>
-        </p:style>
-      </p:sp>
-      <p:sp>
-        <p:nvSpPr>
-          <p:cNvPr id="47" name=""/>
-          <p:cNvSpPr txBox="1"/>
-          <p:nvPr/>
-        </p:nvSpPr>
-        <p:spPr>
-          <a:xfrm>
-            <a:off x="6660000" y="1800000"/>
-            <a:ext cx="2520000" cy="602280"/>
-          </a:xfrm>
-          <a:prstGeom prst="rect">
-            <a:avLst/>
-          </a:prstGeom>
-          <a:solidFill>
-            <a:srgbClr val="afd095"/>
-          </a:solidFill>
-          <a:ln w="0">
-            <a:noFill/>
-          </a:ln>
-        </p:spPr>
-        <p:txBody>
-          <a:bodyPr lIns="90000" rIns="90000" tIns="45000" bIns="45000" anchor="t">
-            <a:noAutofit/>
-          </a:bodyPr>
-          <a:p>
-            <a:pPr algn="ctr">
-              <a:buNone/>
-            </a:pPr>
-            <a:r>
-              <a:rPr b="0" lang="es-AR" sz="1800" spc="-1" strike="noStrike">
-                <a:latin typeface="Arial"/>
-              </a:rPr>
-              <a:t>Pantalla de estado</a:t>
-            </a:r>
-            <a:endParaRPr b="0" lang="es-AR" sz="1800" spc="-1" strike="noStrike">
-              <a:latin typeface="Arial"/>
-            </a:endParaRPr>
-          </a:p>
-          <a:p>
-            <a:pPr algn="ctr">
-              <a:buNone/>
-            </a:pPr>
-            <a:r>
-              <a:rPr b="0" lang="es-AR" sz="1800" spc="-1" strike="noStrike">
-                <a:latin typeface="Arial"/>
-              </a:rPr>
-              <a:t>Display matricial</a:t>
-            </a:r>
-            <a:endParaRPr b="0" lang="es-AR" sz="1800" spc="-1" strike="noStrike">
-              <a:latin typeface="Arial"/>
-            </a:endParaRPr>
-          </a:p>
-        </p:txBody>
-      </p:sp>
-      <p:sp>
-        <p:nvSpPr>
-          <p:cNvPr id="48" name=""/>
-          <p:cNvSpPr txBox="1"/>
-          <p:nvPr/>
-        </p:nvSpPr>
-        <p:spPr>
-          <a:xfrm>
-            <a:off x="2340000" y="2817720"/>
-            <a:ext cx="2520000" cy="602280"/>
-          </a:xfrm>
-          <a:prstGeom prst="rect">
-            <a:avLst/>
-          </a:prstGeom>
-          <a:solidFill>
-            <a:srgbClr val="afd095"/>
-          </a:solidFill>
-          <a:ln w="0">
-            <a:noFill/>
-          </a:ln>
-        </p:spPr>
-        <p:txBody>
-          <a:bodyPr lIns="90000" rIns="90000" tIns="45000" bIns="45000" anchor="t">
-            <a:noAutofit/>
-          </a:bodyPr>
-          <a:p>
-            <a:pPr algn="ctr">
-              <a:buNone/>
-            </a:pPr>
-            <a:r>
-              <a:rPr b="0" lang="es-AR" sz="1800" spc="-1" strike="noStrike">
-                <a:latin typeface="Arial"/>
-              </a:rPr>
-              <a:t>Salida de iluminación</a:t>
-            </a:r>
-            <a:endParaRPr b="0" lang="es-AR" sz="1800" spc="-1" strike="noStrike">
-              <a:latin typeface="Arial"/>
-            </a:endParaRPr>
-          </a:p>
-          <a:p>
-            <a:pPr algn="ctr">
-              <a:buNone/>
-            </a:pPr>
-            <a:r>
-              <a:rPr b="0" lang="es-AR" sz="1800" spc="-1" strike="noStrike">
-                <a:latin typeface="Arial"/>
-              </a:rPr>
-              <a:t>PWM 12VCC</a:t>
-            </a:r>
-            <a:endParaRPr b="0" lang="es-AR" sz="1800" spc="-1" strike="noStrike">
-              <a:latin typeface="Arial"/>
-            </a:endParaRPr>
-          </a:p>
-        </p:txBody>
-      </p:sp>
-      <p:sp>
-        <p:nvSpPr>
-          <p:cNvPr id="49" name=""/>
-          <p:cNvSpPr txBox="1"/>
-          <p:nvPr/>
-        </p:nvSpPr>
-        <p:spPr>
-          <a:xfrm>
-            <a:off x="5040000" y="2817720"/>
-            <a:ext cx="2520000" cy="602280"/>
-          </a:xfrm>
-          <a:prstGeom prst="rect">
-            <a:avLst/>
-          </a:prstGeom>
-          <a:solidFill>
-            <a:srgbClr val="afd095"/>
-          </a:solidFill>
-          <a:ln w="0">
-            <a:noFill/>
-          </a:ln>
-        </p:spPr>
-        <p:txBody>
-          <a:bodyPr lIns="90000" rIns="90000" tIns="45000" bIns="45000" anchor="t">
-            <a:noAutofit/>
-          </a:bodyPr>
-          <a:p>
-            <a:pPr algn="ctr">
-              <a:buNone/>
-            </a:pPr>
-            <a:r>
-              <a:rPr b="0" lang="es-AR" sz="1800" spc="-1" strike="noStrike">
-                <a:latin typeface="Arial"/>
-              </a:rPr>
-              <a:t>Salida de calefacción</a:t>
-            </a:r>
-            <a:endParaRPr b="0" lang="es-AR" sz="1800" spc="-1" strike="noStrike">
-              <a:latin typeface="Arial"/>
-            </a:endParaRPr>
-          </a:p>
-          <a:p>
-            <a:pPr algn="ctr">
-              <a:buNone/>
-            </a:pPr>
-            <a:r>
-              <a:rPr b="0" lang="es-AR" sz="1800" spc="-1" strike="noStrike">
-                <a:latin typeface="Arial"/>
-              </a:rPr>
-              <a:t>Relé 220VAC</a:t>
-            </a:r>
-            <a:endParaRPr b="0" lang="es-AR" sz="1800" spc="-1" strike="noStrike">
-              <a:latin typeface="Arial"/>
-            </a:endParaRPr>
-          </a:p>
-        </p:txBody>
-      </p:sp>
-      <p:sp>
-        <p:nvSpPr>
-          <p:cNvPr id="50" name=""/>
-          <p:cNvSpPr/>
-          <p:nvPr/>
-        </p:nvSpPr>
-        <p:spPr>
-          <a:xfrm>
-            <a:off x="4320000" y="2402280"/>
-            <a:ext cx="0" cy="415440"/>
-          </a:xfrm>
-          <a:prstGeom prst="line">
-            <a:avLst/>
-          </a:prstGeom>
-          <a:ln w="0">
-            <a:solidFill>
-              <a:srgbClr val="000000"/>
-            </a:solidFill>
-            <a:tailEnd len="med" type="triangle" w="med"/>
-          </a:ln>
-        </p:spPr>
-        <p:style>
-          <a:lnRef idx="0"/>
-          <a:fillRef idx="0"/>
-          <a:effectRef idx="0"/>
-          <a:fontRef idx="minor"/>
-        </p:style>
-      </p:sp>
-      <p:sp>
-        <p:nvSpPr>
-          <p:cNvPr id="51" name=""/>
-          <p:cNvSpPr/>
-          <p:nvPr/>
-        </p:nvSpPr>
-        <p:spPr>
-          <a:xfrm>
-            <a:off x="5760000" y="2402280"/>
-            <a:ext cx="0" cy="415440"/>
-          </a:xfrm>
-          <a:prstGeom prst="line">
-            <a:avLst/>
-          </a:prstGeom>
-          <a:ln w="0">
-            <a:solidFill>
-              <a:srgbClr val="000000"/>
-            </a:solidFill>
-            <a:tailEnd len="med" type="triangle" w="med"/>
-          </a:ln>
-        </p:spPr>
-        <p:style>
-          <a:lnRef idx="0"/>
-          <a:fillRef idx="0"/>
-          <a:effectRef idx="0"/>
-          <a:fontRef idx="minor"/>
-        </p:style>
-      </p:sp>
-      <p:sp>
-        <p:nvSpPr>
-          <p:cNvPr id="52" name=""/>
-          <p:cNvSpPr/>
-          <p:nvPr/>
-        </p:nvSpPr>
-        <p:spPr>
-          <a:xfrm>
-            <a:off x="720000" y="720000"/>
-            <a:ext cx="8640000" cy="2880000"/>
-          </a:xfrm>
-          <a:custGeom>
-            <a:avLst/>
-            <a:gdLst/>
-            <a:ahLst/>
-            <a:rect l="l" t="t" r="r" b="b"/>
-            <a:pathLst>
-              <a:path w="64795" h="21600">
-                <a:moveTo>
-                  <a:pt x="3600" y="0"/>
-                </a:moveTo>
-                <a:arcTo wR="3600" hR="3600" stAng="16200000" swAng="-5400000"/>
-                <a:lnTo>
-                  <a:pt x="0" y="18000"/>
-                </a:lnTo>
-                <a:arcTo wR="3600" hR="3600" stAng="10800000" swAng="-5400000"/>
-                <a:lnTo>
-                  <a:pt x="61195" y="21600"/>
-                </a:lnTo>
-                <a:arcTo wR="39595" hR="3600" stAng="5400000" swAng="5400000"/>
-                <a:lnTo>
-                  <a:pt x="21600" y="3600"/>
-                </a:lnTo>
-                <a:arcTo wR="39595" hR="3600" stAng="10800000" swAng="5400000"/>
-                <a:close/>
-              </a:path>
-            </a:pathLst>
-          </a:custGeom>
-          <a:noFill/>
-          <a:ln w="0">
-            <a:solidFill>
-              <a:srgbClr val="000000"/>
-            </a:solidFill>
-            <a:prstDash val="dash"/>
-          </a:ln>
-        </p:spPr>
-        <p:style>
-          <a:lnRef idx="0"/>
-          <a:fillRef idx="0"/>
-          <a:effectRef idx="0"/>
-          <a:fontRef idx="minor"/>
-        </p:style>
-      </p:sp>
+        </p:nvGrpSpPr>
+        <p:grpSpPr>
+          <a:xfrm>
+            <a:off x="720000" y="180000"/>
+            <a:ext cx="8640000" cy="5040000"/>
+            <a:chOff x="720000" y="180000"/>
+            <a:chExt cx="8640000" cy="5040000"/>
+          </a:xfrm>
+        </p:grpSpPr>
+        <p:grpSp>
+          <p:nvGrpSpPr>
+            <p:cNvPr id="42" name=""/>
+            <p:cNvGrpSpPr/>
+            <p:nvPr/>
+          </p:nvGrpSpPr>
+          <p:grpSpPr>
+            <a:xfrm>
+              <a:off x="720000" y="180000"/>
+              <a:ext cx="8640000" cy="3240000"/>
+              <a:chOff x="720000" y="180000"/>
+              <a:chExt cx="8640000" cy="3240000"/>
+            </a:xfrm>
+          </p:grpSpPr>
+          <p:sp>
+            <p:nvSpPr>
+              <p:cNvPr id="43" name=""/>
+              <p:cNvSpPr txBox="1"/>
+              <p:nvPr/>
+            </p:nvSpPr>
+            <p:spPr>
+              <a:xfrm>
+                <a:off x="3780000" y="297720"/>
+                <a:ext cx="2520000" cy="602280"/>
+              </a:xfrm>
+              <a:prstGeom prst="rect">
+                <a:avLst/>
+              </a:prstGeom>
+              <a:solidFill>
+                <a:srgbClr val="ffb66c"/>
+              </a:solidFill>
+              <a:ln w="0">
+                <a:noFill/>
+              </a:ln>
+            </p:spPr>
+            <p:txBody>
+              <a:bodyPr lIns="90000" rIns="90000" tIns="45000" bIns="45000" anchor="t">
+                <a:noAutofit/>
+              </a:bodyPr>
+              <a:p>
+                <a:pPr algn="ctr">
+                  <a:buNone/>
+                </a:pPr>
+                <a:r>
+                  <a:rPr b="0" lang="es-AR" sz="1800" spc="-1" strike="noStrike">
+                    <a:latin typeface="Arial"/>
+                  </a:rPr>
+                  <a:t>Sensor de temperatura</a:t>
+                </a:r>
+                <a:endParaRPr b="0" lang="es-AR" sz="1800" spc="-1" strike="noStrike">
+                  <a:latin typeface="Arial"/>
+                </a:endParaRPr>
+              </a:p>
+              <a:p>
+                <a:pPr algn="ctr">
+                  <a:buNone/>
+                </a:pPr>
+                <a:r>
+                  <a:rPr b="0" lang="es-AR" sz="1800" spc="-1" strike="noStrike">
+                    <a:latin typeface="Arial"/>
+                  </a:rPr>
+                  <a:t>BMP280</a:t>
+                </a:r>
+                <a:endParaRPr b="0" lang="es-AR" sz="1800" spc="-1" strike="noStrike">
+                  <a:latin typeface="Arial"/>
+                </a:endParaRPr>
+              </a:p>
+            </p:txBody>
+          </p:sp>
+          <p:sp>
+            <p:nvSpPr>
+              <p:cNvPr id="44" name=""/>
+              <p:cNvSpPr/>
+              <p:nvPr/>
+            </p:nvSpPr>
+            <p:spPr>
+              <a:xfrm>
+                <a:off x="5040000" y="900000"/>
+                <a:ext cx="0" cy="360000"/>
+              </a:xfrm>
+              <a:prstGeom prst="line">
+                <a:avLst/>
+              </a:prstGeom>
+              <a:ln w="0">
+                <a:solidFill>
+                  <a:srgbClr val="000000"/>
+                </a:solidFill>
+                <a:tailEnd len="med" type="triangle" w="med"/>
+              </a:ln>
+            </p:spPr>
+            <p:style>
+              <a:lnRef idx="0"/>
+              <a:fillRef idx="0"/>
+              <a:effectRef idx="0"/>
+              <a:fontRef idx="minor"/>
+            </p:style>
+          </p:sp>
+          <p:sp>
+            <p:nvSpPr>
+              <p:cNvPr id="45" name=""/>
+              <p:cNvSpPr txBox="1"/>
+              <p:nvPr/>
+            </p:nvSpPr>
+            <p:spPr>
+              <a:xfrm>
+                <a:off x="3780000" y="1260000"/>
+                <a:ext cx="2520000" cy="602280"/>
+              </a:xfrm>
+              <a:prstGeom prst="rect">
+                <a:avLst/>
+              </a:prstGeom>
+              <a:solidFill>
+                <a:srgbClr val="ec9ba4"/>
+              </a:solidFill>
+              <a:ln w="0">
+                <a:noFill/>
+              </a:ln>
+            </p:spPr>
+            <p:txBody>
+              <a:bodyPr lIns="90000" rIns="90000" tIns="45000" bIns="45000" anchor="t">
+                <a:noAutofit/>
+              </a:bodyPr>
+              <a:p>
+                <a:pPr algn="ctr">
+                  <a:buNone/>
+                </a:pPr>
+                <a:r>
+                  <a:rPr b="0" lang="es-AR" sz="1800" spc="-1" strike="noStrike">
+                    <a:latin typeface="Arial"/>
+                  </a:rPr>
+                  <a:t>Módulo de control</a:t>
+                </a:r>
+                <a:endParaRPr b="0" lang="es-AR" sz="1800" spc="-1" strike="noStrike">
+                  <a:latin typeface="Arial"/>
+                </a:endParaRPr>
+              </a:p>
+              <a:p>
+                <a:pPr algn="ctr">
+                  <a:buNone/>
+                </a:pPr>
+                <a:r>
+                  <a:rPr b="0" lang="es-AR" sz="1800" spc="-1" strike="noStrike">
+                    <a:latin typeface="Arial"/>
+                  </a:rPr>
+                  <a:t>ESP32</a:t>
+                </a:r>
+                <a:endParaRPr b="0" lang="es-AR" sz="1800" spc="-1" strike="noStrike">
+                  <a:latin typeface="Arial"/>
+                </a:endParaRPr>
+              </a:p>
+            </p:txBody>
+          </p:sp>
+          <p:sp>
+            <p:nvSpPr>
+              <p:cNvPr id="46" name=""/>
+              <p:cNvSpPr txBox="1"/>
+              <p:nvPr/>
+            </p:nvSpPr>
+            <p:spPr>
+              <a:xfrm>
+                <a:off x="900000" y="1260000"/>
+                <a:ext cx="2520000" cy="602280"/>
+              </a:xfrm>
+              <a:prstGeom prst="rect">
+                <a:avLst/>
+              </a:prstGeom>
+              <a:solidFill>
+                <a:srgbClr val="ffb66c"/>
+              </a:solidFill>
+              <a:ln w="0">
+                <a:noFill/>
+              </a:ln>
+            </p:spPr>
+            <p:txBody>
+              <a:bodyPr lIns="90000" rIns="90000" tIns="45000" bIns="45000" anchor="t">
+                <a:noAutofit/>
+              </a:bodyPr>
+              <a:p>
+                <a:pPr algn="ctr">
+                  <a:buNone/>
+                </a:pPr>
+                <a:r>
+                  <a:rPr b="0" lang="es-AR" sz="1800" spc="-1" strike="noStrike">
+                    <a:latin typeface="Arial"/>
+                  </a:rPr>
+                  <a:t>Mando de luces</a:t>
+                </a:r>
+                <a:endParaRPr b="0" lang="es-AR" sz="1800" spc="-1" strike="noStrike">
+                  <a:latin typeface="Arial"/>
+                </a:endParaRPr>
+              </a:p>
+              <a:p>
+                <a:pPr algn="ctr">
+                  <a:buNone/>
+                </a:pPr>
+                <a:r>
+                  <a:rPr b="0" lang="es-AR" sz="1800" spc="-1" strike="noStrike">
+                    <a:latin typeface="Arial"/>
+                  </a:rPr>
+                  <a:t>Potenciómetro digital</a:t>
+                </a:r>
+                <a:endParaRPr b="0" lang="es-AR" sz="1800" spc="-1" strike="noStrike">
+                  <a:latin typeface="Arial"/>
+                </a:endParaRPr>
+              </a:p>
+            </p:txBody>
+          </p:sp>
+          <p:sp>
+            <p:nvSpPr>
+              <p:cNvPr id="47" name=""/>
+              <p:cNvSpPr/>
+              <p:nvPr/>
+            </p:nvSpPr>
+            <p:spPr>
+              <a:xfrm>
+                <a:off x="3419640" y="1554840"/>
+                <a:ext cx="360000" cy="0"/>
+              </a:xfrm>
+              <a:prstGeom prst="line">
+                <a:avLst/>
+              </a:prstGeom>
+              <a:ln w="0">
+                <a:solidFill>
+                  <a:srgbClr val="000000"/>
+                </a:solidFill>
+                <a:tailEnd len="med" type="triangle" w="med"/>
+              </a:ln>
+            </p:spPr>
+            <p:style>
+              <a:lnRef idx="0"/>
+              <a:fillRef idx="0"/>
+              <a:effectRef idx="0"/>
+              <a:fontRef idx="minor"/>
+            </p:style>
+          </p:sp>
+          <p:sp>
+            <p:nvSpPr>
+              <p:cNvPr id="48" name=""/>
+              <p:cNvSpPr/>
+              <p:nvPr/>
+            </p:nvSpPr>
+            <p:spPr>
+              <a:xfrm>
+                <a:off x="6293160" y="1542960"/>
+                <a:ext cx="360000" cy="0"/>
+              </a:xfrm>
+              <a:prstGeom prst="line">
+                <a:avLst/>
+              </a:prstGeom>
+              <a:ln w="0">
+                <a:solidFill>
+                  <a:srgbClr val="000000"/>
+                </a:solidFill>
+                <a:tailEnd len="med" type="triangle" w="med"/>
+              </a:ln>
+            </p:spPr>
+            <p:style>
+              <a:lnRef idx="0"/>
+              <a:fillRef idx="0"/>
+              <a:effectRef idx="0"/>
+              <a:fontRef idx="minor"/>
+            </p:style>
+          </p:sp>
+          <p:sp>
+            <p:nvSpPr>
+              <p:cNvPr id="49" name=""/>
+              <p:cNvSpPr txBox="1"/>
+              <p:nvPr/>
+            </p:nvSpPr>
+            <p:spPr>
+              <a:xfrm>
+                <a:off x="6660000" y="1260000"/>
+                <a:ext cx="2520000" cy="602280"/>
+              </a:xfrm>
+              <a:prstGeom prst="rect">
+                <a:avLst/>
+              </a:prstGeom>
+              <a:solidFill>
+                <a:srgbClr val="afd095"/>
+              </a:solidFill>
+              <a:ln w="0">
+                <a:noFill/>
+              </a:ln>
+            </p:spPr>
+            <p:txBody>
+              <a:bodyPr lIns="90000" rIns="90000" tIns="45000" bIns="45000" anchor="t">
+                <a:noAutofit/>
+              </a:bodyPr>
+              <a:p>
+                <a:pPr algn="ctr">
+                  <a:buNone/>
+                </a:pPr>
+                <a:r>
+                  <a:rPr b="0" lang="es-AR" sz="1800" spc="-1" strike="noStrike">
+                    <a:latin typeface="Arial"/>
+                  </a:rPr>
+                  <a:t>Pantalla de estado</a:t>
+                </a:r>
+                <a:endParaRPr b="0" lang="es-AR" sz="1800" spc="-1" strike="noStrike">
+                  <a:latin typeface="Arial"/>
+                </a:endParaRPr>
+              </a:p>
+              <a:p>
+                <a:pPr algn="ctr">
+                  <a:buNone/>
+                </a:pPr>
+                <a:r>
+                  <a:rPr b="0" lang="es-AR" sz="1800" spc="-1" strike="noStrike">
+                    <a:latin typeface="Arial"/>
+                  </a:rPr>
+                  <a:t>Display matricial</a:t>
+                </a:r>
+                <a:endParaRPr b="0" lang="es-AR" sz="1800" spc="-1" strike="noStrike">
+                  <a:latin typeface="Arial"/>
+                </a:endParaRPr>
+              </a:p>
+            </p:txBody>
+          </p:sp>
+          <p:sp>
+            <p:nvSpPr>
+              <p:cNvPr id="50" name=""/>
+              <p:cNvSpPr txBox="1"/>
+              <p:nvPr/>
+            </p:nvSpPr>
+            <p:spPr>
+              <a:xfrm>
+                <a:off x="2340000" y="2277720"/>
+                <a:ext cx="2520000" cy="602280"/>
+              </a:xfrm>
+              <a:prstGeom prst="rect">
+                <a:avLst/>
+              </a:prstGeom>
+              <a:solidFill>
+                <a:srgbClr val="afd095"/>
+              </a:solidFill>
+              <a:ln w="0">
+                <a:noFill/>
+              </a:ln>
+            </p:spPr>
+            <p:txBody>
+              <a:bodyPr lIns="90000" rIns="90000" tIns="45000" bIns="45000" anchor="t">
+                <a:noAutofit/>
+              </a:bodyPr>
+              <a:p>
+                <a:pPr algn="ctr">
+                  <a:buNone/>
+                </a:pPr>
+                <a:r>
+                  <a:rPr b="0" lang="es-AR" sz="1800" spc="-1" strike="noStrike">
+                    <a:latin typeface="Arial"/>
+                  </a:rPr>
+                  <a:t>Salida de iluminación</a:t>
+                </a:r>
+                <a:endParaRPr b="0" lang="es-AR" sz="1800" spc="-1" strike="noStrike">
+                  <a:latin typeface="Arial"/>
+                </a:endParaRPr>
+              </a:p>
+              <a:p>
+                <a:pPr algn="ctr">
+                  <a:buNone/>
+                </a:pPr>
+                <a:r>
+                  <a:rPr b="0" lang="es-AR" sz="1800" spc="-1" strike="noStrike">
+                    <a:latin typeface="Arial"/>
+                  </a:rPr>
+                  <a:t>PWM 12VCC</a:t>
+                </a:r>
+                <a:endParaRPr b="0" lang="es-AR" sz="1800" spc="-1" strike="noStrike">
+                  <a:latin typeface="Arial"/>
+                </a:endParaRPr>
+              </a:p>
+            </p:txBody>
+          </p:sp>
+          <p:sp>
+            <p:nvSpPr>
+              <p:cNvPr id="51" name=""/>
+              <p:cNvSpPr txBox="1"/>
+              <p:nvPr/>
+            </p:nvSpPr>
+            <p:spPr>
+              <a:xfrm>
+                <a:off x="5040000" y="2277720"/>
+                <a:ext cx="2520000" cy="602280"/>
+              </a:xfrm>
+              <a:prstGeom prst="rect">
+                <a:avLst/>
+              </a:prstGeom>
+              <a:solidFill>
+                <a:srgbClr val="afd095"/>
+              </a:solidFill>
+              <a:ln w="0">
+                <a:noFill/>
+              </a:ln>
+            </p:spPr>
+            <p:txBody>
+              <a:bodyPr lIns="90000" rIns="90000" tIns="45000" bIns="45000" anchor="t">
+                <a:noAutofit/>
+              </a:bodyPr>
+              <a:p>
+                <a:pPr algn="ctr">
+                  <a:buNone/>
+                </a:pPr>
+                <a:r>
+                  <a:rPr b="0" lang="es-AR" sz="1800" spc="-1" strike="noStrike">
+                    <a:latin typeface="Arial"/>
+                  </a:rPr>
+                  <a:t>Salida de calefacción</a:t>
+                </a:r>
+                <a:endParaRPr b="0" lang="es-AR" sz="1800" spc="-1" strike="noStrike">
+                  <a:latin typeface="Arial"/>
+                </a:endParaRPr>
+              </a:p>
+              <a:p>
+                <a:pPr algn="ctr">
+                  <a:buNone/>
+                </a:pPr>
+                <a:r>
+                  <a:rPr b="0" lang="es-AR" sz="1800" spc="-1" strike="noStrike">
+                    <a:latin typeface="Arial"/>
+                  </a:rPr>
+                  <a:t>Relé 220VAC</a:t>
+                </a:r>
+                <a:endParaRPr b="0" lang="es-AR" sz="1800" spc="-1" strike="noStrike">
+                  <a:latin typeface="Arial"/>
+                </a:endParaRPr>
+              </a:p>
+            </p:txBody>
+          </p:sp>
+          <p:sp>
+            <p:nvSpPr>
+              <p:cNvPr id="52" name=""/>
+              <p:cNvSpPr/>
+              <p:nvPr/>
+            </p:nvSpPr>
+            <p:spPr>
+              <a:xfrm>
+                <a:off x="4320000" y="1862280"/>
+                <a:ext cx="0" cy="415440"/>
+              </a:xfrm>
+              <a:prstGeom prst="line">
+                <a:avLst/>
+              </a:prstGeom>
+              <a:ln w="0">
+                <a:solidFill>
+                  <a:srgbClr val="000000"/>
+                </a:solidFill>
+                <a:tailEnd len="med" type="triangle" w="med"/>
+              </a:ln>
+            </p:spPr>
+            <p:style>
+              <a:lnRef idx="0"/>
+              <a:fillRef idx="0"/>
+              <a:effectRef idx="0"/>
+              <a:fontRef idx="minor"/>
+            </p:style>
+          </p:sp>
+          <p:sp>
+            <p:nvSpPr>
+              <p:cNvPr id="53" name=""/>
+              <p:cNvSpPr/>
+              <p:nvPr/>
+            </p:nvSpPr>
+            <p:spPr>
+              <a:xfrm>
+                <a:off x="5760000" y="1862280"/>
+                <a:ext cx="0" cy="415440"/>
+              </a:xfrm>
+              <a:prstGeom prst="line">
+                <a:avLst/>
+              </a:prstGeom>
+              <a:ln w="0">
+                <a:solidFill>
+                  <a:srgbClr val="000000"/>
+                </a:solidFill>
+                <a:tailEnd len="med" type="triangle" w="med"/>
+              </a:ln>
+            </p:spPr>
+            <p:style>
+              <a:lnRef idx="0"/>
+              <a:fillRef idx="0"/>
+              <a:effectRef idx="0"/>
+              <a:fontRef idx="minor"/>
+            </p:style>
+          </p:sp>
+          <p:sp>
+            <p:nvSpPr>
+              <p:cNvPr id="54" name=""/>
+              <p:cNvSpPr/>
+              <p:nvPr/>
+            </p:nvSpPr>
+            <p:spPr>
+              <a:xfrm>
+                <a:off x="720000" y="180000"/>
+                <a:ext cx="8640000" cy="2880000"/>
+              </a:xfrm>
+              <a:custGeom>
+                <a:avLst/>
+                <a:gdLst/>
+                <a:ahLst/>
+                <a:rect l="l" t="t" r="r" b="b"/>
+                <a:pathLst>
+                  <a:path w="64795" h="21600">
+                    <a:moveTo>
+                      <a:pt x="3600" y="0"/>
+                    </a:moveTo>
+                    <a:arcTo wR="3600" hR="3600" stAng="16200000" swAng="-5400000"/>
+                    <a:lnTo>
+                      <a:pt x="0" y="18000"/>
+                    </a:lnTo>
+                    <a:arcTo wR="3600" hR="3600" stAng="10800000" swAng="-5400000"/>
+                    <a:lnTo>
+                      <a:pt x="61195" y="21600"/>
+                    </a:lnTo>
+                    <a:arcTo wR="39595" hR="3600" stAng="5400000" swAng="5400000"/>
+                    <a:lnTo>
+                      <a:pt x="21600" y="3600"/>
+                    </a:lnTo>
+                    <a:arcTo wR="39595" hR="3600" stAng="10800000" swAng="5400000"/>
+                    <a:close/>
+                  </a:path>
+                </a:pathLst>
+              </a:custGeom>
+              <a:noFill/>
+              <a:ln w="0">
+                <a:solidFill>
+                  <a:srgbClr val="000000"/>
+                </a:solidFill>
+                <a:prstDash val="dash"/>
+              </a:ln>
+            </p:spPr>
+            <p:style>
+              <a:lnRef idx="0"/>
+              <a:fillRef idx="0"/>
+              <a:effectRef idx="0"/>
+              <a:fontRef idx="minor"/>
+            </p:style>
+          </p:sp>
+          <p:sp>
+            <p:nvSpPr>
+              <p:cNvPr id="55" name=""/>
+              <p:cNvSpPr txBox="1"/>
+              <p:nvPr/>
+            </p:nvSpPr>
+            <p:spPr>
+              <a:xfrm>
+                <a:off x="3960000" y="3073680"/>
+                <a:ext cx="2160000" cy="346320"/>
+              </a:xfrm>
+              <a:prstGeom prst="rect">
+                <a:avLst/>
+              </a:prstGeom>
+              <a:noFill/>
+              <a:ln w="0">
+                <a:noFill/>
+              </a:ln>
+            </p:spPr>
+            <p:txBody>
+              <a:bodyPr lIns="90000" rIns="90000" tIns="45000" bIns="45000" anchor="t">
+                <a:noAutofit/>
+              </a:bodyPr>
+              <a:p>
+                <a:pPr algn="ctr">
+                  <a:buNone/>
+                </a:pPr>
+                <a:r>
+                  <a:rPr b="0" lang="es-AR" sz="1800" spc="-1" strike="noStrike">
+                    <a:latin typeface="Arial"/>
+                  </a:rPr>
+                  <a:t>Actuador remoto</a:t>
+                </a:r>
+                <a:endParaRPr b="0" lang="es-AR" sz="1800" spc="-1" strike="noStrike">
+                  <a:latin typeface="Arial"/>
+                </a:endParaRPr>
+              </a:p>
+            </p:txBody>
+          </p:sp>
+        </p:grpSp>
+        <p:grpSp>
+          <p:nvGrpSpPr>
+            <p:cNvPr id="56" name=""/>
+            <p:cNvGrpSpPr/>
+            <p:nvPr/>
+          </p:nvGrpSpPr>
+          <p:grpSpPr>
+            <a:xfrm>
+              <a:off x="1620000" y="3060000"/>
+              <a:ext cx="7560000" cy="2160000"/>
+              <a:chOff x="1620000" y="3060000"/>
+              <a:chExt cx="7560000" cy="2160000"/>
+            </a:xfrm>
+          </p:grpSpPr>
+          <p:sp>
+            <p:nvSpPr>
+              <p:cNvPr id="57" name=""/>
+              <p:cNvSpPr txBox="1"/>
+              <p:nvPr/>
+            </p:nvSpPr>
+            <p:spPr>
+              <a:xfrm>
+                <a:off x="1620000" y="4140000"/>
+                <a:ext cx="2520000" cy="602280"/>
+              </a:xfrm>
+              <a:prstGeom prst="rect">
+                <a:avLst/>
+              </a:prstGeom>
+              <a:solidFill>
+                <a:srgbClr val="729fcf"/>
+              </a:solidFill>
+              <a:ln w="0">
+                <a:noFill/>
+              </a:ln>
+            </p:spPr>
+            <p:txBody>
+              <a:bodyPr lIns="90000" rIns="90000" tIns="45000" bIns="45000" anchor="t">
+                <a:noAutofit/>
+              </a:bodyPr>
+              <a:p>
+                <a:pPr algn="ctr">
+                  <a:buNone/>
+                </a:pPr>
+                <a:r>
+                  <a:rPr b="0" lang="es-AR" sz="1800" spc="-1" strike="noStrike">
+                    <a:latin typeface="Arial"/>
+                  </a:rPr>
+                  <a:t>Servidor backend</a:t>
+                </a:r>
+                <a:endParaRPr b="0" lang="es-AR" sz="1800" spc="-1" strike="noStrike">
+                  <a:latin typeface="Arial"/>
+                </a:endParaRPr>
+              </a:p>
+              <a:p>
+                <a:pPr algn="ctr">
+                  <a:buNone/>
+                </a:pPr>
+                <a:r>
+                  <a:rPr b="0" lang="es-AR" sz="1800" spc="-1" strike="noStrike">
+                    <a:latin typeface="Arial"/>
+                  </a:rPr>
+                  <a:t>Raspberry Pi</a:t>
+                </a:r>
+                <a:endParaRPr b="0" lang="es-AR" sz="1800" spc="-1" strike="noStrike">
+                  <a:latin typeface="Arial"/>
+                </a:endParaRPr>
+              </a:p>
+            </p:txBody>
+          </p:sp>
+          <p:sp>
+            <p:nvSpPr>
+              <p:cNvPr id="58" name=""/>
+              <p:cNvSpPr txBox="1"/>
+              <p:nvPr/>
+            </p:nvSpPr>
+            <p:spPr>
+              <a:xfrm>
+                <a:off x="5760000" y="4140000"/>
+                <a:ext cx="2520000" cy="602280"/>
+              </a:xfrm>
+              <a:prstGeom prst="rect">
+                <a:avLst/>
+              </a:prstGeom>
+              <a:solidFill>
+                <a:srgbClr val="ffff6d"/>
+              </a:solidFill>
+              <a:ln w="0">
+                <a:noFill/>
+              </a:ln>
+            </p:spPr>
+            <p:txBody>
+              <a:bodyPr lIns="90000" rIns="90000" tIns="45000" bIns="45000" anchor="t">
+                <a:noAutofit/>
+              </a:bodyPr>
+              <a:p>
+                <a:pPr algn="ctr">
+                  <a:buNone/>
+                </a:pPr>
+                <a:r>
+                  <a:rPr b="0" lang="es-AR" sz="1800" spc="-1" strike="noStrike">
+                    <a:latin typeface="Arial"/>
+                  </a:rPr>
+                  <a:t>Frontend web</a:t>
+                </a:r>
+                <a:endParaRPr b="0" lang="es-AR" sz="1800" spc="-1" strike="noStrike">
+                  <a:latin typeface="Arial"/>
+                </a:endParaRPr>
+              </a:p>
+              <a:p>
+                <a:pPr algn="ctr">
+                  <a:buNone/>
+                </a:pPr>
+                <a:r>
+                  <a:rPr b="0" lang="es-AR" sz="1800" spc="-1" strike="noStrike">
+                    <a:latin typeface="Arial"/>
+                  </a:rPr>
+                  <a:t>Acceso por PC</a:t>
+                </a:r>
+                <a:endParaRPr b="0" lang="es-AR" sz="1800" spc="-1" strike="noStrike">
+                  <a:latin typeface="Arial"/>
+                </a:endParaRPr>
+              </a:p>
+            </p:txBody>
+          </p:sp>
+          <p:sp>
+            <p:nvSpPr>
+              <p:cNvPr id="59" name=""/>
+              <p:cNvSpPr/>
+              <p:nvPr/>
+            </p:nvSpPr>
+            <p:spPr>
+              <a:xfrm flipH="1">
+                <a:off x="2880000" y="3060000"/>
+                <a:ext cx="540000" cy="1080000"/>
+              </a:xfrm>
+              <a:prstGeom prst="line">
+                <a:avLst/>
+              </a:prstGeom>
+              <a:ln w="0">
+                <a:solidFill>
+                  <a:srgbClr val="000000"/>
+                </a:solidFill>
+                <a:prstDash val="dash"/>
+                <a:headEnd len="med" type="triangle" w="med"/>
+                <a:tailEnd len="med" type="triangle" w="med"/>
+              </a:ln>
+            </p:spPr>
+            <p:style>
+              <a:lnRef idx="0"/>
+              <a:fillRef idx="0"/>
+              <a:effectRef idx="0"/>
+              <a:fontRef idx="minor"/>
+            </p:style>
+          </p:sp>
+          <p:sp>
+            <p:nvSpPr>
+              <p:cNvPr id="60" name=""/>
+              <p:cNvSpPr/>
+              <p:nvPr/>
+            </p:nvSpPr>
+            <p:spPr>
+              <a:xfrm>
+                <a:off x="4140000" y="4429440"/>
+                <a:ext cx="1620000" cy="0"/>
+              </a:xfrm>
+              <a:prstGeom prst="line">
+                <a:avLst/>
+              </a:prstGeom>
+              <a:ln w="0">
+                <a:solidFill>
+                  <a:srgbClr val="000000"/>
+                </a:solidFill>
+                <a:prstDash val="dash"/>
+                <a:headEnd len="med" type="triangle" w="med"/>
+                <a:tailEnd len="med" type="triangle" w="med"/>
+              </a:ln>
+            </p:spPr>
+            <p:style>
+              <a:lnRef idx="0"/>
+              <a:fillRef idx="0"/>
+              <a:effectRef idx="0"/>
+              <a:fontRef idx="minor"/>
+            </p:style>
+          </p:sp>
+          <p:sp>
+            <p:nvSpPr>
+              <p:cNvPr id="61" name=""/>
+              <p:cNvSpPr txBox="1"/>
+              <p:nvPr/>
+            </p:nvSpPr>
+            <p:spPr>
+              <a:xfrm>
+                <a:off x="2411280" y="3452400"/>
+                <a:ext cx="720000" cy="346320"/>
+              </a:xfrm>
+              <a:prstGeom prst="rect">
+                <a:avLst/>
+              </a:prstGeom>
+              <a:noFill/>
+              <a:ln w="0">
+                <a:noFill/>
+              </a:ln>
+            </p:spPr>
+            <p:txBody>
+              <a:bodyPr lIns="90000" rIns="90000" tIns="45000" bIns="45000" anchor="t">
+                <a:noAutofit/>
+              </a:bodyPr>
+              <a:p>
+                <a:pPr algn="ctr">
+                  <a:buNone/>
+                </a:pPr>
+                <a:r>
+                  <a:rPr b="0" lang="es-AR" sz="1800" spc="-1" strike="noStrike">
+                    <a:latin typeface="Arial"/>
+                  </a:rPr>
+                  <a:t>WiFi</a:t>
+                </a:r>
+                <a:endParaRPr b="0" lang="es-AR" sz="1800" spc="-1" strike="noStrike">
+                  <a:latin typeface="Arial"/>
+                </a:endParaRPr>
+              </a:p>
+            </p:txBody>
+          </p:sp>
+          <p:sp>
+            <p:nvSpPr>
+              <p:cNvPr id="62" name=""/>
+              <p:cNvSpPr txBox="1"/>
+              <p:nvPr/>
+            </p:nvSpPr>
+            <p:spPr>
+              <a:xfrm>
+                <a:off x="4580640" y="4069440"/>
+                <a:ext cx="720000" cy="346320"/>
+              </a:xfrm>
+              <a:prstGeom prst="rect">
+                <a:avLst/>
+              </a:prstGeom>
+              <a:noFill/>
+              <a:ln w="0">
+                <a:noFill/>
+              </a:ln>
+            </p:spPr>
+            <p:txBody>
+              <a:bodyPr lIns="90000" rIns="90000" tIns="45000" bIns="45000" anchor="t">
+                <a:noAutofit/>
+              </a:bodyPr>
+              <a:p>
+                <a:pPr algn="ctr">
+                  <a:buNone/>
+                </a:pPr>
+                <a:r>
+                  <a:rPr b="0" lang="es-AR" sz="1800" spc="-1" strike="noStrike">
+                    <a:latin typeface="Arial"/>
+                  </a:rPr>
+                  <a:t>WiFi</a:t>
+                </a:r>
+                <a:endParaRPr b="0" lang="es-AR" sz="1800" spc="-1" strike="noStrike">
+                  <a:latin typeface="Arial"/>
+                </a:endParaRPr>
+              </a:p>
+            </p:txBody>
+          </p:sp>
+          <p:pic>
+            <p:nvPicPr>
+              <p:cNvPr id="63" name="" descr=""/>
+              <p:cNvPicPr/>
+              <p:nvPr/>
+            </p:nvPicPr>
+            <p:blipFill>
+              <a:blip r:embed="rId1"/>
+              <a:srcRect l="0" t="0" r="0" b="5761"/>
+              <a:stretch/>
+            </p:blipFill>
+            <p:spPr>
+              <a:xfrm>
+                <a:off x="8325720" y="3890880"/>
+                <a:ext cx="494280" cy="969120"/>
+              </a:xfrm>
+              <a:prstGeom prst="rect">
+                <a:avLst/>
+              </a:prstGeom>
+              <a:ln w="0">
+                <a:noFill/>
+              </a:ln>
+            </p:spPr>
+          </p:pic>
+          <p:sp>
+            <p:nvSpPr>
+              <p:cNvPr id="64" name=""/>
+              <p:cNvSpPr txBox="1"/>
+              <p:nvPr/>
+            </p:nvSpPr>
+            <p:spPr>
+              <a:xfrm>
+                <a:off x="8100000" y="4873680"/>
+                <a:ext cx="1080000" cy="346320"/>
+              </a:xfrm>
+              <a:prstGeom prst="rect">
+                <a:avLst/>
+              </a:prstGeom>
+              <a:noFill/>
+              <a:ln w="0">
+                <a:noFill/>
+              </a:ln>
+            </p:spPr>
+            <p:txBody>
+              <a:bodyPr lIns="90000" rIns="90000" tIns="45000" bIns="45000" anchor="t">
+                <a:noAutofit/>
+              </a:bodyPr>
+              <a:p>
+                <a:pPr algn="ctr">
+                  <a:buNone/>
+                </a:pPr>
+                <a:r>
+                  <a:rPr b="0" lang="es-AR" sz="1800" spc="-1" strike="noStrike">
+                    <a:latin typeface="Arial"/>
+                  </a:rPr>
+                  <a:t>Usuario</a:t>
+                </a:r>
+                <a:endParaRPr b="0" lang="es-AR" sz="1800" spc="-1" strike="noStrike">
+                  <a:latin typeface="Arial"/>
+                </a:endParaRPr>
+              </a:p>
+            </p:txBody>
+          </p:sp>
+        </p:grpSp>
+      </p:grpSp>
     </p:spTree>
   </p:cSld>
   <mc:AlternateContent>

--- a/Figuras/Diagramas en bloques.pptx
+++ b/Figuras/Diagramas en bloques.pptx
@@ -36,7 +36,7 @@
             <a:spLocks noGrp="1"/>
           </p:cNvSpPr>
           <p:nvPr>
-            <p:ph type="ftr" idx="2"/>
+            <p:ph type="ftr" idx="1"/>
           </p:nvPr>
         </p:nvSpPr>
         <p:spPr/>
@@ -56,14 +56,14 @@
             <a:spLocks noGrp="1"/>
           </p:cNvSpPr>
           <p:nvPr>
-            <p:ph type="sldNum" idx="3"/>
+            <p:ph type="sldNum" idx="2"/>
           </p:nvPr>
         </p:nvSpPr>
         <p:spPr/>
         <p:txBody>
           <a:bodyPr/>
           <a:p>
-            <a:fld id="{DBF39A6E-5321-4F4E-92F4-4E2ACDE07B12}" type="slidenum">
+            <a:fld id="{D062D97E-CEE3-4318-82D4-6377DD675CE9}" type="slidenum">
               <a:t>&lt;#&gt;</a:t>
             </a:fld>
           </a:p>
@@ -76,7 +76,7 @@
             <a:spLocks noGrp="1"/>
           </p:cNvSpPr>
           <p:nvPr>
-            <p:ph type="dt" idx="1"/>
+            <p:ph type="dt" idx="3"/>
           </p:nvPr>
         </p:nvSpPr>
         <p:spPr/>
@@ -125,7 +125,7 @@
         <p:spPr>
           <a:xfrm>
             <a:off x="504000" y="226080"/>
-            <a:ext cx="9071640" cy="946440"/>
+            <a:ext cx="9070920" cy="945720"/>
           </a:xfrm>
           <a:prstGeom prst="rect">
             <a:avLst/>
@@ -224,7 +224,7 @@
             <a:spLocks noGrp="1"/>
           </p:cNvSpPr>
           <p:nvPr>
-            <p:ph type="ftr" idx="2"/>
+            <p:ph type="ftr" idx="1"/>
           </p:nvPr>
         </p:nvSpPr>
         <p:spPr/>
@@ -244,14 +244,14 @@
             <a:spLocks noGrp="1"/>
           </p:cNvSpPr>
           <p:nvPr>
-            <p:ph type="sldNum" idx="3"/>
+            <p:ph type="sldNum" idx="2"/>
           </p:nvPr>
         </p:nvSpPr>
         <p:spPr/>
         <p:txBody>
           <a:bodyPr/>
           <a:p>
-            <a:fld id="{6F618244-D295-47BF-BF43-4F34EB527E49}" type="slidenum">
+            <a:fld id="{005B2617-9680-4653-AD04-C3C1BCFDBBE3}" type="slidenum">
               <a:t>&lt;#&gt;</a:t>
             </a:fld>
           </a:p>
@@ -264,7 +264,7 @@
             <a:spLocks noGrp="1"/>
           </p:cNvSpPr>
           <p:nvPr>
-            <p:ph type="dt" idx="1"/>
+            <p:ph type="dt" idx="3"/>
           </p:nvPr>
         </p:nvSpPr>
         <p:spPr/>
@@ -313,7 +313,7 @@
         <p:spPr>
           <a:xfrm>
             <a:off x="504000" y="226080"/>
-            <a:ext cx="9071640" cy="946440"/>
+            <a:ext cx="9070920" cy="945720"/>
           </a:xfrm>
           <a:prstGeom prst="rect">
             <a:avLst/>
@@ -480,7 +480,7 @@
             <a:spLocks noGrp="1"/>
           </p:cNvSpPr>
           <p:nvPr>
-            <p:ph type="ftr" idx="2"/>
+            <p:ph type="ftr" idx="1"/>
           </p:nvPr>
         </p:nvSpPr>
         <p:spPr/>
@@ -500,14 +500,14 @@
             <a:spLocks noGrp="1"/>
           </p:cNvSpPr>
           <p:nvPr>
-            <p:ph type="sldNum" idx="3"/>
+            <p:ph type="sldNum" idx="2"/>
           </p:nvPr>
         </p:nvSpPr>
         <p:spPr/>
         <p:txBody>
           <a:bodyPr/>
           <a:p>
-            <a:fld id="{39AE31F2-E380-4B0D-A308-4BD64F85CAA3}" type="slidenum">
+            <a:fld id="{80D7CD35-8FD0-4C95-B02D-4F64F5C03107}" type="slidenum">
               <a:t>&lt;#&gt;</a:t>
             </a:fld>
           </a:p>
@@ -520,7 +520,7 @@
             <a:spLocks noGrp="1"/>
           </p:cNvSpPr>
           <p:nvPr>
-            <p:ph type="dt" idx="1"/>
+            <p:ph type="dt" idx="3"/>
           </p:nvPr>
         </p:nvSpPr>
         <p:spPr/>
@@ -569,7 +569,7 @@
         <p:spPr>
           <a:xfrm>
             <a:off x="504000" y="226080"/>
-            <a:ext cx="9071640" cy="946440"/>
+            <a:ext cx="9070920" cy="945720"/>
           </a:xfrm>
           <a:prstGeom prst="rect">
             <a:avLst/>
@@ -804,7 +804,7 @@
             <a:spLocks noGrp="1"/>
           </p:cNvSpPr>
           <p:nvPr>
-            <p:ph type="ftr" idx="2"/>
+            <p:ph type="ftr" idx="1"/>
           </p:nvPr>
         </p:nvSpPr>
         <p:spPr/>
@@ -824,14 +824,14 @@
             <a:spLocks noGrp="1"/>
           </p:cNvSpPr>
           <p:nvPr>
-            <p:ph type="sldNum" idx="3"/>
+            <p:ph type="sldNum" idx="2"/>
           </p:nvPr>
         </p:nvSpPr>
         <p:spPr/>
         <p:txBody>
           <a:bodyPr/>
           <a:p>
-            <a:fld id="{AAC9C175-CF3C-4040-988B-6834FA841968}" type="slidenum">
+            <a:fld id="{142998D7-FD0C-45C9-817E-C985D5BFD58F}" type="slidenum">
               <a:t>&lt;#&gt;</a:t>
             </a:fld>
           </a:p>
@@ -844,7 +844,7 @@
             <a:spLocks noGrp="1"/>
           </p:cNvSpPr>
           <p:nvPr>
-            <p:ph type="dt" idx="1"/>
+            <p:ph type="dt" idx="3"/>
           </p:nvPr>
         </p:nvSpPr>
         <p:spPr/>
@@ -893,7 +893,7 @@
         <p:spPr>
           <a:xfrm>
             <a:off x="504000" y="226080"/>
-            <a:ext cx="9071640" cy="946440"/>
+            <a:ext cx="9070920" cy="945720"/>
           </a:xfrm>
           <a:prstGeom prst="rect">
             <a:avLst/>
@@ -961,7 +961,7 @@
             <a:spLocks noGrp="1"/>
           </p:cNvSpPr>
           <p:nvPr>
-            <p:ph type="ftr" idx="2"/>
+            <p:ph type="ftr" idx="1"/>
           </p:nvPr>
         </p:nvSpPr>
         <p:spPr/>
@@ -981,14 +981,14 @@
             <a:spLocks noGrp="1"/>
           </p:cNvSpPr>
           <p:nvPr>
-            <p:ph type="sldNum" idx="3"/>
+            <p:ph type="sldNum" idx="2"/>
           </p:nvPr>
         </p:nvSpPr>
         <p:spPr/>
         <p:txBody>
           <a:bodyPr/>
           <a:p>
-            <a:fld id="{2B10F5E4-5B5F-46B4-8817-784CF8861738}" type="slidenum">
+            <a:fld id="{6094D741-85D8-4947-B234-3A58D79EDB82}" type="slidenum">
               <a:t>&lt;#&gt;</a:t>
             </a:fld>
           </a:p>
@@ -1001,7 +1001,7 @@
             <a:spLocks noGrp="1"/>
           </p:cNvSpPr>
           <p:nvPr>
-            <p:ph type="dt" idx="1"/>
+            <p:ph type="dt" idx="3"/>
           </p:nvPr>
         </p:nvSpPr>
         <p:spPr/>
@@ -1050,7 +1050,7 @@
         <p:spPr>
           <a:xfrm>
             <a:off x="504000" y="226080"/>
-            <a:ext cx="9071640" cy="946440"/>
+            <a:ext cx="9070920" cy="945720"/>
           </a:xfrm>
           <a:prstGeom prst="rect">
             <a:avLst/>
@@ -1115,7 +1115,7 @@
             <a:spLocks noGrp="1"/>
           </p:cNvSpPr>
           <p:nvPr>
-            <p:ph type="ftr" idx="2"/>
+            <p:ph type="ftr" idx="1"/>
           </p:nvPr>
         </p:nvSpPr>
         <p:spPr/>
@@ -1135,14 +1135,14 @@
             <a:spLocks noGrp="1"/>
           </p:cNvSpPr>
           <p:nvPr>
-            <p:ph type="sldNum" idx="3"/>
+            <p:ph type="sldNum" idx="2"/>
           </p:nvPr>
         </p:nvSpPr>
         <p:spPr/>
         <p:txBody>
           <a:bodyPr/>
           <a:p>
-            <a:fld id="{96281C8C-7A7A-44A3-A90C-D163A5856918}" type="slidenum">
+            <a:fld id="{20733D98-C97C-4A95-9142-3EB704A32FBD}" type="slidenum">
               <a:t>&lt;#&gt;</a:t>
             </a:fld>
           </a:p>
@@ -1155,7 +1155,7 @@
             <a:spLocks noGrp="1"/>
           </p:cNvSpPr>
           <p:nvPr>
-            <p:ph type="dt" idx="1"/>
+            <p:ph type="dt" idx="3"/>
           </p:nvPr>
         </p:nvSpPr>
         <p:spPr/>
@@ -1204,7 +1204,7 @@
         <p:spPr>
           <a:xfrm>
             <a:off x="504000" y="226080"/>
-            <a:ext cx="9071640" cy="946440"/>
+            <a:ext cx="9070920" cy="945720"/>
           </a:xfrm>
           <a:prstGeom prst="rect">
             <a:avLst/>
@@ -1303,7 +1303,7 @@
             <a:spLocks noGrp="1"/>
           </p:cNvSpPr>
           <p:nvPr>
-            <p:ph type="ftr" idx="2"/>
+            <p:ph type="ftr" idx="1"/>
           </p:nvPr>
         </p:nvSpPr>
         <p:spPr/>
@@ -1323,14 +1323,14 @@
             <a:spLocks noGrp="1"/>
           </p:cNvSpPr>
           <p:nvPr>
-            <p:ph type="sldNum" idx="3"/>
+            <p:ph type="sldNum" idx="2"/>
           </p:nvPr>
         </p:nvSpPr>
         <p:spPr/>
         <p:txBody>
           <a:bodyPr/>
           <a:p>
-            <a:fld id="{08247046-418C-4043-AF57-193C4265A2E1}" type="slidenum">
+            <a:fld id="{5BA41B03-7484-4055-A025-88A263469F2E}" type="slidenum">
               <a:t>&lt;#&gt;</a:t>
             </a:fld>
           </a:p>
@@ -1343,7 +1343,7 @@
             <a:spLocks noGrp="1"/>
           </p:cNvSpPr>
           <p:nvPr>
-            <p:ph type="dt" idx="1"/>
+            <p:ph type="dt" idx="3"/>
           </p:nvPr>
         </p:nvSpPr>
         <p:spPr/>
@@ -1392,7 +1392,7 @@
         <p:spPr>
           <a:xfrm>
             <a:off x="504000" y="226080"/>
-            <a:ext cx="9071640" cy="946440"/>
+            <a:ext cx="9070920" cy="945720"/>
           </a:xfrm>
           <a:prstGeom prst="rect">
             <a:avLst/>
@@ -1423,7 +1423,7 @@
             <a:spLocks noGrp="1"/>
           </p:cNvSpPr>
           <p:nvPr>
-            <p:ph type="ftr" idx="2"/>
+            <p:ph type="ftr" idx="1"/>
           </p:nvPr>
         </p:nvSpPr>
         <p:spPr/>
@@ -1443,14 +1443,14 @@
             <a:spLocks noGrp="1"/>
           </p:cNvSpPr>
           <p:nvPr>
-            <p:ph type="sldNum" idx="3"/>
+            <p:ph type="sldNum" idx="2"/>
           </p:nvPr>
         </p:nvSpPr>
         <p:spPr/>
         <p:txBody>
           <a:bodyPr/>
           <a:p>
-            <a:fld id="{1E6A03E4-D3B2-4767-B488-C0E4795362D5}" type="slidenum">
+            <a:fld id="{77815392-F3C0-4670-A2C9-D5647A92207D}" type="slidenum">
               <a:t>&lt;#&gt;</a:t>
             </a:fld>
           </a:p>
@@ -1463,7 +1463,7 @@
             <a:spLocks noGrp="1"/>
           </p:cNvSpPr>
           <p:nvPr>
-            <p:ph type="dt" idx="1"/>
+            <p:ph type="dt" idx="3"/>
           </p:nvPr>
         </p:nvSpPr>
         <p:spPr/>
@@ -1512,7 +1512,7 @@
         <p:spPr>
           <a:xfrm>
             <a:off x="504000" y="226080"/>
-            <a:ext cx="9071640" cy="4388400"/>
+            <a:ext cx="9070920" cy="4385160"/>
           </a:xfrm>
           <a:prstGeom prst="rect">
             <a:avLst/>
@@ -1543,7 +1543,7 @@
             <a:spLocks noGrp="1"/>
           </p:cNvSpPr>
           <p:nvPr>
-            <p:ph type="ftr" idx="2"/>
+            <p:ph type="ftr" idx="1"/>
           </p:nvPr>
         </p:nvSpPr>
         <p:spPr/>
@@ -1563,14 +1563,14 @@
             <a:spLocks noGrp="1"/>
           </p:cNvSpPr>
           <p:nvPr>
-            <p:ph type="sldNum" idx="3"/>
+            <p:ph type="sldNum" idx="2"/>
           </p:nvPr>
         </p:nvSpPr>
         <p:spPr/>
         <p:txBody>
           <a:bodyPr/>
           <a:p>
-            <a:fld id="{6E55BE99-BBCF-4884-82A6-E41FC68C8F66}" type="slidenum">
+            <a:fld id="{70B00DFF-E363-4DC6-8A5D-DD6FD195D0D9}" type="slidenum">
               <a:t>&lt;#&gt;</a:t>
             </a:fld>
           </a:p>
@@ -1583,7 +1583,7 @@
             <a:spLocks noGrp="1"/>
           </p:cNvSpPr>
           <p:nvPr>
-            <p:ph type="dt" idx="1"/>
+            <p:ph type="dt" idx="3"/>
           </p:nvPr>
         </p:nvSpPr>
         <p:spPr/>
@@ -1632,7 +1632,7 @@
         <p:spPr>
           <a:xfrm>
             <a:off x="504000" y="226080"/>
-            <a:ext cx="9071640" cy="946440"/>
+            <a:ext cx="9070920" cy="945720"/>
           </a:xfrm>
           <a:prstGeom prst="rect">
             <a:avLst/>
@@ -1765,7 +1765,7 @@
             <a:spLocks noGrp="1"/>
           </p:cNvSpPr>
           <p:nvPr>
-            <p:ph type="ftr" idx="2"/>
+            <p:ph type="ftr" idx="1"/>
           </p:nvPr>
         </p:nvSpPr>
         <p:spPr/>
@@ -1785,14 +1785,14 @@
             <a:spLocks noGrp="1"/>
           </p:cNvSpPr>
           <p:nvPr>
-            <p:ph type="sldNum" idx="3"/>
+            <p:ph type="sldNum" idx="2"/>
           </p:nvPr>
         </p:nvSpPr>
         <p:spPr/>
         <p:txBody>
           <a:bodyPr/>
           <a:p>
-            <a:fld id="{24F31D94-ABD3-450C-8078-15732611BB69}" type="slidenum">
+            <a:fld id="{FF0B52B9-097B-4E37-9F8A-A67B9F32F186}" type="slidenum">
               <a:t>&lt;#&gt;</a:t>
             </a:fld>
           </a:p>
@@ -1805,7 +1805,7 @@
             <a:spLocks noGrp="1"/>
           </p:cNvSpPr>
           <p:nvPr>
-            <p:ph type="dt" idx="1"/>
+            <p:ph type="dt" idx="3"/>
           </p:nvPr>
         </p:nvSpPr>
         <p:spPr/>
@@ -1854,7 +1854,7 @@
         <p:spPr>
           <a:xfrm>
             <a:off x="504000" y="226080"/>
-            <a:ext cx="9071640" cy="946440"/>
+            <a:ext cx="9070920" cy="945720"/>
           </a:xfrm>
           <a:prstGeom prst="rect">
             <a:avLst/>
@@ -1987,7 +1987,7 @@
             <a:spLocks noGrp="1"/>
           </p:cNvSpPr>
           <p:nvPr>
-            <p:ph type="ftr" idx="2"/>
+            <p:ph type="ftr" idx="1"/>
           </p:nvPr>
         </p:nvSpPr>
         <p:spPr/>
@@ -2007,14 +2007,14 @@
             <a:spLocks noGrp="1"/>
           </p:cNvSpPr>
           <p:nvPr>
-            <p:ph type="sldNum" idx="3"/>
+            <p:ph type="sldNum" idx="2"/>
           </p:nvPr>
         </p:nvSpPr>
         <p:spPr/>
         <p:txBody>
           <a:bodyPr/>
           <a:p>
-            <a:fld id="{74CF812F-045D-436E-8157-A6DF24508A2F}" type="slidenum">
+            <a:fld id="{6AC9D90C-54A5-464D-9971-EE47C5818D43}" type="slidenum">
               <a:t>&lt;#&gt;</a:t>
             </a:fld>
           </a:p>
@@ -2027,7 +2027,7 @@
             <a:spLocks noGrp="1"/>
           </p:cNvSpPr>
           <p:nvPr>
-            <p:ph type="dt" idx="1"/>
+            <p:ph type="dt" idx="3"/>
           </p:nvPr>
         </p:nvSpPr>
         <p:spPr/>
@@ -2076,7 +2076,7 @@
         <p:spPr>
           <a:xfrm>
             <a:off x="504000" y="226080"/>
-            <a:ext cx="9071640" cy="946440"/>
+            <a:ext cx="9070920" cy="945720"/>
           </a:xfrm>
           <a:prstGeom prst="rect">
             <a:avLst/>
@@ -2209,7 +2209,7 @@
             <a:spLocks noGrp="1"/>
           </p:cNvSpPr>
           <p:nvPr>
-            <p:ph type="ftr" idx="2"/>
+            <p:ph type="ftr" idx="1"/>
           </p:nvPr>
         </p:nvSpPr>
         <p:spPr/>
@@ -2229,14 +2229,14 @@
             <a:spLocks noGrp="1"/>
           </p:cNvSpPr>
           <p:nvPr>
-            <p:ph type="sldNum" idx="3"/>
+            <p:ph type="sldNum" idx="2"/>
           </p:nvPr>
         </p:nvSpPr>
         <p:spPr/>
         <p:txBody>
           <a:bodyPr/>
           <a:p>
-            <a:fld id="{88C6CDF5-C92B-4515-9D07-8D018CFEDA6B}" type="slidenum">
+            <a:fld id="{BF3411C0-CD5A-4E09-BD43-8E5AB3D36DCD}" type="slidenum">
               <a:t>&lt;#&gt;</a:t>
             </a:fld>
           </a:p>
@@ -2249,7 +2249,7 @@
             <a:spLocks noGrp="1"/>
           </p:cNvSpPr>
           <p:nvPr>
-            <p:ph type="dt" idx="1"/>
+            <p:ph type="dt" idx="3"/>
           </p:nvPr>
         </p:nvSpPr>
         <p:spPr/>
@@ -2298,7 +2298,7 @@
         <p:spPr>
           <a:xfrm>
             <a:off x="504000" y="226080"/>
-            <a:ext cx="9071640" cy="946440"/>
+            <a:ext cx="9070920" cy="945720"/>
           </a:xfrm>
           <a:prstGeom prst="rect">
             <a:avLst/>
@@ -2313,16 +2313,13 @@
             <a:noAutofit/>
           </a:bodyPr>
           <a:p>
-            <a:pPr algn="ctr">
-              <a:buNone/>
-            </a:pPr>
-            <a:r>
-              <a:rPr b="0" lang="es-AR" sz="4400" spc="-1" strike="noStrike">
+            <a:r>
+              <a:rPr b="0" lang="es-AR" sz="1800" spc="-1" strike="noStrike">
                 <a:latin typeface="Arial"/>
               </a:rPr>
               <a:t>Pulse para editar el formato del texto de título</a:t>
             </a:r>
-            <a:endParaRPr b="0" lang="es-AR" sz="4400" spc="-1" strike="noStrike">
+            <a:endParaRPr b="0" lang="es-AR" sz="1800" spc="-1" strike="noStrike">
               <a:latin typeface="Arial"/>
             </a:endParaRPr>
           </a:p>
@@ -2368,12 +2365,12 @@
               <a:buChar char=""/>
             </a:pPr>
             <a:r>
-              <a:rPr b="0" lang="es-AR" sz="3200" spc="-1" strike="noStrike">
+              <a:rPr b="0" lang="es-AR" sz="1800" spc="-1" strike="noStrike">
                 <a:latin typeface="Arial"/>
               </a:rPr>
               <a:t>Pulse para editar el formato de texto del esquema</a:t>
             </a:r>
-            <a:endParaRPr b="0" lang="es-AR" sz="3200" spc="-1" strike="noStrike">
+            <a:endParaRPr b="0" lang="es-AR" sz="1800" spc="-1" strike="noStrike">
               <a:latin typeface="Arial"/>
             </a:endParaRPr>
           </a:p>
@@ -2390,12 +2387,12 @@
               <a:buChar char=""/>
             </a:pPr>
             <a:r>
-              <a:rPr b="0" lang="es-AR" sz="2800" spc="-1" strike="noStrike">
+              <a:rPr b="0" lang="es-AR" sz="1800" spc="-1" strike="noStrike">
                 <a:latin typeface="Arial"/>
               </a:rPr>
               <a:t>Segundo nivel del esquema</a:t>
             </a:r>
-            <a:endParaRPr b="0" lang="es-AR" sz="2800" spc="-1" strike="noStrike">
+            <a:endParaRPr b="0" lang="es-AR" sz="1800" spc="-1" strike="noStrike">
               <a:latin typeface="Arial"/>
             </a:endParaRPr>
           </a:p>
@@ -2412,12 +2409,12 @@
               <a:buChar char=""/>
             </a:pPr>
             <a:r>
-              <a:rPr b="0" lang="es-AR" sz="2400" spc="-1" strike="noStrike">
+              <a:rPr b="0" lang="es-AR" sz="1800" spc="-1" strike="noStrike">
                 <a:latin typeface="Arial"/>
               </a:rPr>
               <a:t>Tercer nivel del esquema</a:t>
             </a:r>
-            <a:endParaRPr b="0" lang="es-AR" sz="2400" spc="-1" strike="noStrike">
+            <a:endParaRPr b="0" lang="es-AR" sz="1800" spc="-1" strike="noStrike">
               <a:latin typeface="Arial"/>
             </a:endParaRPr>
           </a:p>
@@ -2434,12 +2431,12 @@
               <a:buChar char=""/>
             </a:pPr>
             <a:r>
-              <a:rPr b="0" lang="es-AR" sz="2000" spc="-1" strike="noStrike">
+              <a:rPr b="0" lang="es-AR" sz="1800" spc="-1" strike="noStrike">
                 <a:latin typeface="Arial"/>
               </a:rPr>
               <a:t>Cuarto nivel del esquema</a:t>
             </a:r>
-            <a:endParaRPr b="0" lang="es-AR" sz="2000" spc="-1" strike="noStrike">
+            <a:endParaRPr b="0" lang="es-AR" sz="1800" spc="-1" strike="noStrike">
               <a:latin typeface="Arial"/>
             </a:endParaRPr>
           </a:p>
@@ -2456,12 +2453,12 @@
               <a:buChar char=""/>
             </a:pPr>
             <a:r>
-              <a:rPr b="0" lang="es-AR" sz="2000" spc="-1" strike="noStrike">
+              <a:rPr b="0" lang="es-AR" sz="1800" spc="-1" strike="noStrike">
                 <a:latin typeface="Arial"/>
               </a:rPr>
               <a:t>Quinto nivel del esquema</a:t>
             </a:r>
-            <a:endParaRPr b="0" lang="es-AR" sz="2000" spc="-1" strike="noStrike">
+            <a:endParaRPr b="0" lang="es-AR" sz="1800" spc="-1" strike="noStrike">
               <a:latin typeface="Arial"/>
             </a:endParaRPr>
           </a:p>
@@ -2478,12 +2475,12 @@
               <a:buChar char=""/>
             </a:pPr>
             <a:r>
-              <a:rPr b="0" lang="es-AR" sz="2000" spc="-1" strike="noStrike">
+              <a:rPr b="0" lang="es-AR" sz="1800" spc="-1" strike="noStrike">
                 <a:latin typeface="Arial"/>
               </a:rPr>
               <a:t>Sexto nivel del esquema</a:t>
             </a:r>
-            <a:endParaRPr b="0" lang="es-AR" sz="2000" spc="-1" strike="noStrike">
+            <a:endParaRPr b="0" lang="es-AR" sz="1800" spc="-1" strike="noStrike">
               <a:latin typeface="Arial"/>
             </a:endParaRPr>
           </a:p>
@@ -2500,12 +2497,12 @@
               <a:buChar char=""/>
             </a:pPr>
             <a:r>
-              <a:rPr b="0" lang="es-AR" sz="2000" spc="-1" strike="noStrike">
+              <a:rPr b="0" lang="es-AR" sz="1800" spc="-1" strike="noStrike">
                 <a:latin typeface="Arial"/>
               </a:rPr>
               <a:t>Séptimo nivel del esquema</a:t>
             </a:r>
-            <a:endParaRPr b="0" lang="es-AR" sz="2000" spc="-1" strike="noStrike">
+            <a:endParaRPr b="0" lang="es-AR" sz="1800" spc="-1" strike="noStrike">
               <a:latin typeface="Arial"/>
             </a:endParaRPr>
           </a:p>
@@ -2518,13 +2515,127 @@
             <a:spLocks noGrp="1"/>
           </p:cNvSpPr>
           <p:nvPr>
-            <p:ph type="dt" idx="1"/>
+            <p:ph type="ftr" idx="1"/>
+          </p:nvPr>
+        </p:nvSpPr>
+        <p:spPr>
+          <a:xfrm>
+            <a:off x="3447360" y="5165280"/>
+            <a:ext cx="3194280" cy="389880"/>
+          </a:xfrm>
+          <a:prstGeom prst="rect">
+            <a:avLst/>
+          </a:prstGeom>
+          <a:noFill/>
+          <a:ln w="0">
+            <a:noFill/>
+          </a:ln>
+        </p:spPr>
+        <p:txBody>
+          <a:bodyPr lIns="0" rIns="0" tIns="0" bIns="0" anchor="t">
+            <a:noAutofit/>
+          </a:bodyPr>
+          <a:lstStyle>
+            <a:lvl1pPr algn="ctr">
+              <a:lnSpc>
+                <a:spcPct val="100000"/>
+              </a:lnSpc>
+              <a:buNone/>
+              <a:defRPr b="0" lang="es-AR" sz="1400" spc="-1" strike="noStrike">
+                <a:latin typeface="Times New Roman"/>
+              </a:defRPr>
+            </a:lvl1pPr>
+          </a:lstStyle>
+          <a:p>
+            <a:pPr algn="ctr">
+              <a:lnSpc>
+                <a:spcPct val="100000"/>
+              </a:lnSpc>
+              <a:buNone/>
+            </a:pPr>
+            <a:r>
+              <a:rPr b="0" lang="es-AR" sz="1400" spc="-1" strike="noStrike">
+                <a:latin typeface="Times New Roman"/>
+              </a:rPr>
+              <a:t>&lt;pie de página&gt;</a:t>
+            </a:r>
+            <a:endParaRPr b="0" lang="es-AR" sz="1400" spc="-1" strike="noStrike">
+              <a:latin typeface="Times New Roman"/>
+            </a:endParaRPr>
+          </a:p>
+        </p:txBody>
+      </p:sp>
+      <p:sp>
+        <p:nvSpPr>
+          <p:cNvPr id="3" name="PlaceHolder 4"/>
+          <p:cNvSpPr>
+            <a:spLocks noGrp="1"/>
+          </p:cNvSpPr>
+          <p:nvPr>
+            <p:ph type="sldNum" idx="2"/>
+          </p:nvPr>
+        </p:nvSpPr>
+        <p:spPr>
+          <a:xfrm>
+            <a:off x="7227360" y="5165280"/>
+            <a:ext cx="2347560" cy="389880"/>
+          </a:xfrm>
+          <a:prstGeom prst="rect">
+            <a:avLst/>
+          </a:prstGeom>
+          <a:noFill/>
+          <a:ln w="0">
+            <a:noFill/>
+          </a:ln>
+        </p:spPr>
+        <p:txBody>
+          <a:bodyPr lIns="0" rIns="0" tIns="0" bIns="0" anchor="t">
+            <a:noAutofit/>
+          </a:bodyPr>
+          <a:lstStyle>
+            <a:lvl1pPr algn="r">
+              <a:lnSpc>
+                <a:spcPct val="100000"/>
+              </a:lnSpc>
+              <a:buNone/>
+              <a:defRPr b="0" lang="es-AR" sz="1400" spc="-1" strike="noStrike">
+                <a:latin typeface="Times New Roman"/>
+              </a:defRPr>
+            </a:lvl1pPr>
+          </a:lstStyle>
+          <a:p>
+            <a:pPr algn="r">
+              <a:lnSpc>
+                <a:spcPct val="100000"/>
+              </a:lnSpc>
+              <a:buNone/>
+            </a:pPr>
+            <a:fld id="{5EE887DF-91D0-41E5-A5B4-9DBC65E7CB56}" type="slidenum">
+              <a:rPr b="0" lang="es-AR" sz="1400" spc="-1" strike="noStrike">
+                <a:latin typeface="Times New Roman"/>
+              </a:rPr>
+              <a:t>&lt;número&gt;</a:t>
+            </a:fld>
+            <a:endParaRPr b="0" lang="es-AR" sz="1400" spc="-1" strike="noStrike">
+              <a:latin typeface="Times New Roman"/>
+            </a:endParaRPr>
+          </a:p>
+        </p:txBody>
+      </p:sp>
+      <p:sp>
+        <p:nvSpPr>
+          <p:cNvPr id="4" name="PlaceHolder 5"/>
+          <p:cNvSpPr>
+            <a:spLocks noGrp="1"/>
+          </p:cNvSpPr>
+          <p:nvPr>
+            <p:ph type="dt" idx="3"/>
           </p:nvPr>
         </p:nvSpPr>
         <p:spPr>
           <a:xfrm>
             <a:off x="504000" y="5165280"/>
-            <a:ext cx="2348280" cy="390600"/>
+            <a:ext cx="2347560" cy="389880"/>
           </a:xfrm>
           <a:prstGeom prst="rect">
             <a:avLst/>
@@ -2552,108 +2663,6 @@
               </a:rPr>
               <a:t>&lt;fecha/hora&gt;</a:t>
             </a:r>
-            <a:endParaRPr b="0" lang="es-AR" sz="1400" spc="-1" strike="noStrike">
-              <a:latin typeface="Times New Roman"/>
-            </a:endParaRPr>
-          </a:p>
-        </p:txBody>
-      </p:sp>
-      <p:sp>
-        <p:nvSpPr>
-          <p:cNvPr id="3" name="PlaceHolder 4"/>
-          <p:cNvSpPr>
-            <a:spLocks noGrp="1"/>
-          </p:cNvSpPr>
-          <p:nvPr>
-            <p:ph type="ftr" idx="2"/>
-          </p:nvPr>
-        </p:nvSpPr>
-        <p:spPr>
-          <a:xfrm>
-            <a:off x="3447360" y="5165280"/>
-            <a:ext cx="3195000" cy="390600"/>
-          </a:xfrm>
-          <a:prstGeom prst="rect">
-            <a:avLst/>
-          </a:prstGeom>
-          <a:noFill/>
-          <a:ln w="0">
-            <a:noFill/>
-          </a:ln>
-        </p:spPr>
-        <p:txBody>
-          <a:bodyPr lIns="0" rIns="0" tIns="0" bIns="0" anchor="t">
-            <a:noAutofit/>
-          </a:bodyPr>
-          <a:lstStyle>
-            <a:lvl1pPr algn="ctr">
-              <a:buNone/>
-              <a:defRPr b="0" lang="es-AR" sz="1400" spc="-1" strike="noStrike">
-                <a:latin typeface="Times New Roman"/>
-              </a:defRPr>
-            </a:lvl1pPr>
-          </a:lstStyle>
-          <a:p>
-            <a:pPr algn="ctr">
-              <a:buNone/>
-            </a:pPr>
-            <a:r>
-              <a:rPr b="0" lang="es-AR" sz="1400" spc="-1" strike="noStrike">
-                <a:latin typeface="Times New Roman"/>
-              </a:rPr>
-              <a:t>&lt;pie de página&gt;</a:t>
-            </a:r>
-            <a:endParaRPr b="0" lang="es-AR" sz="1400" spc="-1" strike="noStrike">
-              <a:latin typeface="Times New Roman"/>
-            </a:endParaRPr>
-          </a:p>
-        </p:txBody>
-      </p:sp>
-      <p:sp>
-        <p:nvSpPr>
-          <p:cNvPr id="4" name="PlaceHolder 5"/>
-          <p:cNvSpPr>
-            <a:spLocks noGrp="1"/>
-          </p:cNvSpPr>
-          <p:nvPr>
-            <p:ph type="sldNum" idx="3"/>
-          </p:nvPr>
-        </p:nvSpPr>
-        <p:spPr>
-          <a:xfrm>
-            <a:off x="7227360" y="5165280"/>
-            <a:ext cx="2348280" cy="390600"/>
-          </a:xfrm>
-          <a:prstGeom prst="rect">
-            <a:avLst/>
-          </a:prstGeom>
-          <a:noFill/>
-          <a:ln w="0">
-            <a:noFill/>
-          </a:ln>
-        </p:spPr>
-        <p:txBody>
-          <a:bodyPr lIns="0" rIns="0" tIns="0" bIns="0" anchor="t">
-            <a:noAutofit/>
-          </a:bodyPr>
-          <a:lstStyle>
-            <a:lvl1pPr algn="r">
-              <a:buNone/>
-              <a:defRPr b="0" lang="es-AR" sz="1400" spc="-1" strike="noStrike">
-                <a:latin typeface="Times New Roman"/>
-              </a:defRPr>
-            </a:lvl1pPr>
-          </a:lstStyle>
-          <a:p>
-            <a:pPr algn="r">
-              <a:buNone/>
-            </a:pPr>
-            <a:fld id="{8994FED7-1D28-4E3A-BF96-B4DD55C403DA}" type="slidenum">
-              <a:rPr b="0" lang="es-AR" sz="1400" spc="-1" strike="noStrike">
-                <a:latin typeface="Times New Roman"/>
-              </a:rPr>
-              <a:t>&lt;número&gt;</a:t>
-            </a:fld>
             <a:endParaRPr b="0" lang="es-AR" sz="1400" spc="-1" strike="noStrike">
               <a:latin typeface="Times New Roman"/>
             </a:endParaRPr>
@@ -2697,924 +2706,1196 @@
           <a:chExt cx="0" cy="0"/>
         </a:xfrm>
       </p:grpSpPr>
-      <p:grpSp>
-        <p:nvGrpSpPr>
+      <p:sp>
+        <p:nvSpPr>
           <p:cNvPr id="41" name=""/>
-          <p:cNvGrpSpPr/>
+          <p:cNvSpPr/>
           <p:nvPr/>
-        </p:nvGrpSpPr>
-        <p:grpSpPr>
-          <a:xfrm>
-            <a:off x="720000" y="180000"/>
-            <a:ext cx="8640000" cy="5040000"/>
-            <a:chOff x="720000" y="180000"/>
-            <a:chExt cx="8640000" cy="5040000"/>
-          </a:xfrm>
-        </p:grpSpPr>
-        <p:grpSp>
-          <p:nvGrpSpPr>
-            <p:cNvPr id="42" name=""/>
-            <p:cNvGrpSpPr/>
-            <p:nvPr/>
-          </p:nvGrpSpPr>
-          <p:grpSpPr>
-            <a:xfrm>
-              <a:off x="720000" y="180000"/>
-              <a:ext cx="8640000" cy="3240000"/>
-              <a:chOff x="720000" y="180000"/>
-              <a:chExt cx="8640000" cy="3240000"/>
-            </a:xfrm>
-          </p:grpSpPr>
-          <p:sp>
-            <p:nvSpPr>
-              <p:cNvPr id="43" name=""/>
-              <p:cNvSpPr txBox="1"/>
-              <p:nvPr/>
-            </p:nvSpPr>
-            <p:spPr>
-              <a:xfrm>
-                <a:off x="3780000" y="297720"/>
-                <a:ext cx="2520000" cy="602280"/>
-              </a:xfrm>
-              <a:prstGeom prst="rect">
-                <a:avLst/>
-              </a:prstGeom>
-              <a:solidFill>
-                <a:srgbClr val="ffb66c"/>
-              </a:solidFill>
-              <a:ln w="0">
-                <a:noFill/>
-              </a:ln>
-            </p:spPr>
-            <p:txBody>
-              <a:bodyPr lIns="90000" rIns="90000" tIns="45000" bIns="45000" anchor="t">
-                <a:noAutofit/>
-              </a:bodyPr>
-              <a:p>
-                <a:pPr algn="ctr">
-                  <a:buNone/>
-                </a:pPr>
-                <a:r>
-                  <a:rPr b="0" lang="es-AR" sz="1800" spc="-1" strike="noStrike">
-                    <a:latin typeface="Arial"/>
-                  </a:rPr>
-                  <a:t>Sensor de temperatura</a:t>
-                </a:r>
-                <a:endParaRPr b="0" lang="es-AR" sz="1800" spc="-1" strike="noStrike">
-                  <a:latin typeface="Arial"/>
-                </a:endParaRPr>
-              </a:p>
-              <a:p>
-                <a:pPr algn="ctr">
-                  <a:buNone/>
-                </a:pPr>
-                <a:r>
-                  <a:rPr b="0" lang="es-AR" sz="1800" spc="-1" strike="noStrike">
-                    <a:latin typeface="Arial"/>
-                  </a:rPr>
-                  <a:t>BMP280</a:t>
-                </a:r>
-                <a:endParaRPr b="0" lang="es-AR" sz="1800" spc="-1" strike="noStrike">
-                  <a:latin typeface="Arial"/>
-                </a:endParaRPr>
-              </a:p>
-            </p:txBody>
-          </p:sp>
-          <p:sp>
-            <p:nvSpPr>
-              <p:cNvPr id="44" name=""/>
-              <p:cNvSpPr/>
-              <p:nvPr/>
-            </p:nvSpPr>
-            <p:spPr>
-              <a:xfrm>
-                <a:off x="5040000" y="900000"/>
-                <a:ext cx="0" cy="360000"/>
-              </a:xfrm>
-              <a:prstGeom prst="line">
-                <a:avLst/>
-              </a:prstGeom>
-              <a:ln w="0">
+        </p:nvSpPr>
+        <p:spPr>
+          <a:xfrm>
+            <a:off x="5040000" y="900000"/>
+            <a:ext cx="360" cy="360000"/>
+          </a:xfrm>
+          <a:prstGeom prst="line">
+            <a:avLst/>
+          </a:prstGeom>
+          <a:ln w="0">
+            <a:solidFill>
+              <a:srgbClr val="000000"/>
+            </a:solidFill>
+            <a:tailEnd len="med" type="triangle" w="med"/>
+          </a:ln>
+        </p:spPr>
+        <p:style>
+          <a:lnRef idx="0"/>
+          <a:fillRef idx="0"/>
+          <a:effectRef idx="0"/>
+          <a:fontRef idx="minor"/>
+        </p:style>
+      </p:sp>
+      <p:sp>
+        <p:nvSpPr>
+          <p:cNvPr id="42" name=""/>
+          <p:cNvSpPr/>
+          <p:nvPr/>
+        </p:nvSpPr>
+        <p:spPr>
+          <a:xfrm>
+            <a:off x="3419640" y="1554840"/>
+            <a:ext cx="360000" cy="360"/>
+          </a:xfrm>
+          <a:prstGeom prst="line">
+            <a:avLst/>
+          </a:prstGeom>
+          <a:ln w="0">
+            <a:solidFill>
+              <a:srgbClr val="000000"/>
+            </a:solidFill>
+            <a:tailEnd len="med" type="triangle" w="med"/>
+          </a:ln>
+        </p:spPr>
+        <p:style>
+          <a:lnRef idx="0"/>
+          <a:fillRef idx="0"/>
+          <a:effectRef idx="0"/>
+          <a:fontRef idx="minor"/>
+        </p:style>
+      </p:sp>
+      <p:sp>
+        <p:nvSpPr>
+          <p:cNvPr id="43" name=""/>
+          <p:cNvSpPr/>
+          <p:nvPr/>
+        </p:nvSpPr>
+        <p:spPr>
+          <a:xfrm>
+            <a:off x="6293160" y="1542960"/>
+            <a:ext cx="360000" cy="360"/>
+          </a:xfrm>
+          <a:prstGeom prst="line">
+            <a:avLst/>
+          </a:prstGeom>
+          <a:ln w="0">
+            <a:solidFill>
+              <a:srgbClr val="000000"/>
+            </a:solidFill>
+            <a:tailEnd len="med" type="triangle" w="med"/>
+          </a:ln>
+        </p:spPr>
+        <p:style>
+          <a:lnRef idx="0"/>
+          <a:fillRef idx="0"/>
+          <a:effectRef idx="0"/>
+          <a:fontRef idx="minor"/>
+        </p:style>
+      </p:sp>
+      <p:sp>
+        <p:nvSpPr>
+          <p:cNvPr id="44" name=""/>
+          <p:cNvSpPr/>
+          <p:nvPr/>
+        </p:nvSpPr>
+        <p:spPr>
+          <a:xfrm>
+            <a:off x="4320000" y="1862280"/>
+            <a:ext cx="360" cy="415440"/>
+          </a:xfrm>
+          <a:prstGeom prst="line">
+            <a:avLst/>
+          </a:prstGeom>
+          <a:ln w="0">
+            <a:solidFill>
+              <a:srgbClr val="000000"/>
+            </a:solidFill>
+            <a:tailEnd len="med" type="triangle" w="med"/>
+          </a:ln>
+        </p:spPr>
+        <p:style>
+          <a:lnRef idx="0"/>
+          <a:fillRef idx="0"/>
+          <a:effectRef idx="0"/>
+          <a:fontRef idx="minor"/>
+        </p:style>
+      </p:sp>
+      <p:sp>
+        <p:nvSpPr>
+          <p:cNvPr id="45" name=""/>
+          <p:cNvSpPr/>
+          <p:nvPr/>
+        </p:nvSpPr>
+        <p:spPr>
+          <a:xfrm>
+            <a:off x="5760000" y="1862280"/>
+            <a:ext cx="360" cy="415440"/>
+          </a:xfrm>
+          <a:prstGeom prst="line">
+            <a:avLst/>
+          </a:prstGeom>
+          <a:ln w="0">
+            <a:solidFill>
+              <a:srgbClr val="000000"/>
+            </a:solidFill>
+            <a:tailEnd len="med" type="triangle" w="med"/>
+          </a:ln>
+        </p:spPr>
+        <p:style>
+          <a:lnRef idx="0"/>
+          <a:fillRef idx="0"/>
+          <a:effectRef idx="0"/>
+          <a:fontRef idx="minor"/>
+        </p:style>
+      </p:sp>
+      <p:sp>
+        <p:nvSpPr>
+          <p:cNvPr id="46" name=""/>
+          <p:cNvSpPr/>
+          <p:nvPr/>
+        </p:nvSpPr>
+        <p:spPr>
+          <a:xfrm>
+            <a:off x="6840720" y="374400"/>
+            <a:ext cx="2159280" cy="345600"/>
+          </a:xfrm>
+          <a:prstGeom prst="rect">
+            <a:avLst/>
+          </a:prstGeom>
+          <a:noFill/>
+          <a:ln w="0">
+            <a:noFill/>
+          </a:ln>
+        </p:spPr>
+        <p:style>
+          <a:lnRef idx="0"/>
+          <a:fillRef idx="0"/>
+          <a:effectRef idx="0"/>
+          <a:fontRef idx="minor"/>
+        </p:style>
+        <p:txBody>
+          <a:bodyPr lIns="90000" rIns="90000" tIns="45000" bIns="45000" anchor="t">
+            <a:noAutofit/>
+          </a:bodyPr>
+          <a:p>
+            <a:pPr algn="ctr">
+              <a:lnSpc>
+                <a:spcPct val="100000"/>
+              </a:lnSpc>
+              <a:buNone/>
+            </a:pPr>
+            <a:r>
+              <a:rPr b="0" i="1" lang="es-AR" sz="1800" spc="-1" strike="noStrike">
                 <a:solidFill>
                   <a:srgbClr val="000000"/>
                 </a:solidFill>
-                <a:tailEnd len="med" type="triangle" w="med"/>
-              </a:ln>
-            </p:spPr>
-            <p:style>
-              <a:lnRef idx="0"/>
-              <a:fillRef idx="0"/>
-              <a:effectRef idx="0"/>
-              <a:fontRef idx="minor"/>
-            </p:style>
-          </p:sp>
-          <p:sp>
-            <p:nvSpPr>
-              <p:cNvPr id="45" name=""/>
-              <p:cNvSpPr txBox="1"/>
-              <p:nvPr/>
-            </p:nvSpPr>
-            <p:spPr>
-              <a:xfrm>
-                <a:off x="3780000" y="1260000"/>
-                <a:ext cx="2520000" cy="602280"/>
-              </a:xfrm>
-              <a:prstGeom prst="rect">
-                <a:avLst/>
-              </a:prstGeom>
-              <a:solidFill>
-                <a:srgbClr val="ec9ba4"/>
-              </a:solidFill>
-              <a:ln w="0">
-                <a:noFill/>
-              </a:ln>
-            </p:spPr>
-            <p:txBody>
-              <a:bodyPr lIns="90000" rIns="90000" tIns="45000" bIns="45000" anchor="t">
-                <a:noAutofit/>
-              </a:bodyPr>
-              <a:p>
-                <a:pPr algn="ctr">
-                  <a:buNone/>
-                </a:pPr>
-                <a:r>
-                  <a:rPr b="0" lang="es-AR" sz="1800" spc="-1" strike="noStrike">
-                    <a:latin typeface="Arial"/>
-                  </a:rPr>
-                  <a:t>Módulo de control</a:t>
-                </a:r>
-                <a:endParaRPr b="0" lang="es-AR" sz="1800" spc="-1" strike="noStrike">
-                  <a:latin typeface="Arial"/>
-                </a:endParaRPr>
-              </a:p>
-              <a:p>
-                <a:pPr algn="ctr">
-                  <a:buNone/>
-                </a:pPr>
-                <a:r>
-                  <a:rPr b="0" lang="es-AR" sz="1800" spc="-1" strike="noStrike">
-                    <a:latin typeface="Arial"/>
-                  </a:rPr>
-                  <a:t>ESP32</a:t>
-                </a:r>
-                <a:endParaRPr b="0" lang="es-AR" sz="1800" spc="-1" strike="noStrike">
-                  <a:latin typeface="Arial"/>
-                </a:endParaRPr>
-              </a:p>
-            </p:txBody>
-          </p:sp>
-          <p:sp>
-            <p:nvSpPr>
-              <p:cNvPr id="46" name=""/>
-              <p:cNvSpPr txBox="1"/>
-              <p:nvPr/>
-            </p:nvSpPr>
-            <p:spPr>
-              <a:xfrm>
-                <a:off x="900000" y="1260000"/>
-                <a:ext cx="2520000" cy="602280"/>
-              </a:xfrm>
-              <a:prstGeom prst="rect">
-                <a:avLst/>
-              </a:prstGeom>
-              <a:solidFill>
-                <a:srgbClr val="ffb66c"/>
-              </a:solidFill>
-              <a:ln w="0">
-                <a:noFill/>
-              </a:ln>
-            </p:spPr>
-            <p:txBody>
-              <a:bodyPr lIns="90000" rIns="90000" tIns="45000" bIns="45000" anchor="t">
-                <a:noAutofit/>
-              </a:bodyPr>
-              <a:p>
-                <a:pPr algn="ctr">
-                  <a:buNone/>
-                </a:pPr>
-                <a:r>
-                  <a:rPr b="0" lang="es-AR" sz="1800" spc="-1" strike="noStrike">
-                    <a:latin typeface="Arial"/>
-                  </a:rPr>
-                  <a:t>Mando de luces</a:t>
-                </a:r>
-                <a:endParaRPr b="0" lang="es-AR" sz="1800" spc="-1" strike="noStrike">
-                  <a:latin typeface="Arial"/>
-                </a:endParaRPr>
-              </a:p>
-              <a:p>
-                <a:pPr algn="ctr">
-                  <a:buNone/>
-                </a:pPr>
-                <a:r>
-                  <a:rPr b="0" lang="es-AR" sz="1800" spc="-1" strike="noStrike">
-                    <a:latin typeface="Arial"/>
-                  </a:rPr>
-                  <a:t>Potenciómetro digital</a:t>
-                </a:r>
-                <a:endParaRPr b="0" lang="es-AR" sz="1800" spc="-1" strike="noStrike">
-                  <a:latin typeface="Arial"/>
-                </a:endParaRPr>
-              </a:p>
-            </p:txBody>
-          </p:sp>
-          <p:sp>
-            <p:nvSpPr>
-              <p:cNvPr id="47" name=""/>
-              <p:cNvSpPr/>
-              <p:nvPr/>
-            </p:nvSpPr>
-            <p:spPr>
-              <a:xfrm>
-                <a:off x="3419640" y="1554840"/>
-                <a:ext cx="360000" cy="0"/>
-              </a:xfrm>
-              <a:prstGeom prst="line">
-                <a:avLst/>
-              </a:prstGeom>
-              <a:ln w="0">
+                <a:latin typeface="Arial"/>
+                <a:ea typeface="DejaVu Sans"/>
+              </a:rPr>
+              <a:t>Actuador remoto</a:t>
+            </a:r>
+            <a:endParaRPr b="0" i="1" lang="es-AR" sz="1800" spc="-1" strike="noStrike">
+              <a:latin typeface="Arial"/>
+            </a:endParaRPr>
+          </a:p>
+        </p:txBody>
+      </p:sp>
+      <p:sp>
+        <p:nvSpPr>
+          <p:cNvPr id="47" name=""/>
+          <p:cNvSpPr/>
+          <p:nvPr/>
+        </p:nvSpPr>
+        <p:spPr>
+          <a:xfrm>
+            <a:off x="720000" y="180000"/>
+            <a:ext cx="8640000" cy="2880000"/>
+          </a:xfrm>
+          <a:custGeom>
+            <a:avLst/>
+            <a:gdLst/>
+            <a:ahLst/>
+            <a:rect l="l" t="t" r="r" b="b"/>
+            <a:pathLst>
+              <a:path w="64795" h="21600">
+                <a:moveTo>
+                  <a:pt x="3600" y="0"/>
+                </a:moveTo>
+                <a:arcTo wR="3600" hR="3600" stAng="16200000" swAng="-5400000"/>
+                <a:lnTo>
+                  <a:pt x="0" y="18000"/>
+                </a:lnTo>
+                <a:arcTo wR="3600" hR="3600" stAng="10800000" swAng="-5400000"/>
+                <a:lnTo>
+                  <a:pt x="61195" y="21600"/>
+                </a:lnTo>
+                <a:arcTo wR="39595" hR="3600" stAng="5400000" swAng="5400000"/>
+                <a:lnTo>
+                  <a:pt x="21600" y="3600"/>
+                </a:lnTo>
+                <a:arcTo wR="39595" hR="3600" stAng="10800000" swAng="5400000"/>
+                <a:close/>
+              </a:path>
+            </a:pathLst>
+          </a:custGeom>
+          <a:noFill/>
+          <a:ln w="0">
+            <a:solidFill>
+              <a:srgbClr val="000000"/>
+            </a:solidFill>
+            <a:prstDash val="lgDash"/>
+          </a:ln>
+        </p:spPr>
+        <p:style>
+          <a:lnRef idx="0"/>
+          <a:fillRef idx="0"/>
+          <a:effectRef idx="0"/>
+          <a:fontRef idx="minor"/>
+        </p:style>
+      </p:sp>
+      <p:sp>
+        <p:nvSpPr>
+          <p:cNvPr id="48" name=""/>
+          <p:cNvSpPr txBox="1"/>
+          <p:nvPr/>
+        </p:nvSpPr>
+        <p:spPr>
+          <a:xfrm>
+            <a:off x="3780000" y="297720"/>
+            <a:ext cx="2520000" cy="602280"/>
+          </a:xfrm>
+          <a:prstGeom prst="rect">
+            <a:avLst/>
+          </a:prstGeom>
+          <a:solidFill>
+            <a:srgbClr val="ffb66c"/>
+          </a:solidFill>
+          <a:ln w="0">
+            <a:noFill/>
+          </a:ln>
+        </p:spPr>
+        <p:txBody>
+          <a:bodyPr lIns="90000" rIns="90000" tIns="45000" bIns="45000" anchor="t">
+            <a:noAutofit/>
+          </a:bodyPr>
+          <a:p>
+            <a:pPr algn="ctr">
+              <a:lnSpc>
+                <a:spcPct val="100000"/>
+              </a:lnSpc>
+              <a:buNone/>
+            </a:pPr>
+            <a:r>
+              <a:rPr b="0" lang="es-AR" sz="1800" spc="-1" strike="noStrike">
                 <a:solidFill>
                   <a:srgbClr val="000000"/>
                 </a:solidFill>
-                <a:tailEnd len="med" type="triangle" w="med"/>
-              </a:ln>
-            </p:spPr>
-            <p:style>
-              <a:lnRef idx="0"/>
-              <a:fillRef idx="0"/>
-              <a:effectRef idx="0"/>
-              <a:fontRef idx="minor"/>
-            </p:style>
-          </p:sp>
-          <p:sp>
-            <p:nvSpPr>
-              <p:cNvPr id="48" name=""/>
-              <p:cNvSpPr/>
-              <p:nvPr/>
-            </p:nvSpPr>
-            <p:spPr>
-              <a:xfrm>
-                <a:off x="6293160" y="1542960"/>
-                <a:ext cx="360000" cy="0"/>
-              </a:xfrm>
-              <a:prstGeom prst="line">
-                <a:avLst/>
-              </a:prstGeom>
-              <a:ln w="0">
+                <a:latin typeface="Arial"/>
+                <a:ea typeface="DejaVu Sans"/>
+              </a:rPr>
+              <a:t>Sensor de temperatura</a:t>
+            </a:r>
+            <a:endParaRPr b="0" lang="es-AR" sz="1800" spc="-1" strike="noStrike">
+              <a:latin typeface="Arial"/>
+            </a:endParaRPr>
+          </a:p>
+          <a:p>
+            <a:pPr algn="ctr">
+              <a:lnSpc>
+                <a:spcPct val="100000"/>
+              </a:lnSpc>
+              <a:buNone/>
+            </a:pPr>
+            <a:r>
+              <a:rPr b="0" lang="es-AR" sz="1800" spc="-1" strike="noStrike">
                 <a:solidFill>
                   <a:srgbClr val="000000"/>
                 </a:solidFill>
-                <a:tailEnd len="med" type="triangle" w="med"/>
-              </a:ln>
-            </p:spPr>
-            <p:style>
-              <a:lnRef idx="0"/>
-              <a:fillRef idx="0"/>
-              <a:effectRef idx="0"/>
-              <a:fontRef idx="minor"/>
-            </p:style>
-          </p:sp>
-          <p:sp>
-            <p:nvSpPr>
-              <p:cNvPr id="49" name=""/>
-              <p:cNvSpPr txBox="1"/>
-              <p:nvPr/>
-            </p:nvSpPr>
-            <p:spPr>
-              <a:xfrm>
-                <a:off x="6660000" y="1260000"/>
-                <a:ext cx="2520000" cy="602280"/>
-              </a:xfrm>
-              <a:prstGeom prst="rect">
-                <a:avLst/>
-              </a:prstGeom>
-              <a:solidFill>
-                <a:srgbClr val="afd095"/>
-              </a:solidFill>
-              <a:ln w="0">
-                <a:noFill/>
-              </a:ln>
-            </p:spPr>
-            <p:txBody>
-              <a:bodyPr lIns="90000" rIns="90000" tIns="45000" bIns="45000" anchor="t">
-                <a:noAutofit/>
-              </a:bodyPr>
-              <a:p>
-                <a:pPr algn="ctr">
-                  <a:buNone/>
-                </a:pPr>
-                <a:r>
-                  <a:rPr b="0" lang="es-AR" sz="1800" spc="-1" strike="noStrike">
-                    <a:latin typeface="Arial"/>
-                  </a:rPr>
-                  <a:t>Pantalla de estado</a:t>
-                </a:r>
-                <a:endParaRPr b="0" lang="es-AR" sz="1800" spc="-1" strike="noStrike">
-                  <a:latin typeface="Arial"/>
-                </a:endParaRPr>
-              </a:p>
-              <a:p>
-                <a:pPr algn="ctr">
-                  <a:buNone/>
-                </a:pPr>
-                <a:r>
-                  <a:rPr b="0" lang="es-AR" sz="1800" spc="-1" strike="noStrike">
-                    <a:latin typeface="Arial"/>
-                  </a:rPr>
-                  <a:t>Display matricial</a:t>
-                </a:r>
-                <a:endParaRPr b="0" lang="es-AR" sz="1800" spc="-1" strike="noStrike">
-                  <a:latin typeface="Arial"/>
-                </a:endParaRPr>
-              </a:p>
-            </p:txBody>
-          </p:sp>
-          <p:sp>
-            <p:nvSpPr>
-              <p:cNvPr id="50" name=""/>
-              <p:cNvSpPr txBox="1"/>
-              <p:nvPr/>
-            </p:nvSpPr>
-            <p:spPr>
-              <a:xfrm>
-                <a:off x="2340000" y="2277720"/>
-                <a:ext cx="2520000" cy="602280"/>
-              </a:xfrm>
-              <a:prstGeom prst="rect">
-                <a:avLst/>
-              </a:prstGeom>
-              <a:solidFill>
-                <a:srgbClr val="afd095"/>
-              </a:solidFill>
-              <a:ln w="0">
-                <a:noFill/>
-              </a:ln>
-            </p:spPr>
-            <p:txBody>
-              <a:bodyPr lIns="90000" rIns="90000" tIns="45000" bIns="45000" anchor="t">
-                <a:noAutofit/>
-              </a:bodyPr>
-              <a:p>
-                <a:pPr algn="ctr">
-                  <a:buNone/>
-                </a:pPr>
-                <a:r>
-                  <a:rPr b="0" lang="es-AR" sz="1800" spc="-1" strike="noStrike">
-                    <a:latin typeface="Arial"/>
-                  </a:rPr>
-                  <a:t>Salida de iluminación</a:t>
-                </a:r>
-                <a:endParaRPr b="0" lang="es-AR" sz="1800" spc="-1" strike="noStrike">
-                  <a:latin typeface="Arial"/>
-                </a:endParaRPr>
-              </a:p>
-              <a:p>
-                <a:pPr algn="ctr">
-                  <a:buNone/>
-                </a:pPr>
-                <a:r>
-                  <a:rPr b="0" lang="es-AR" sz="1800" spc="-1" strike="noStrike">
-                    <a:latin typeface="Arial"/>
-                  </a:rPr>
-                  <a:t>PWM 12VCC</a:t>
-                </a:r>
-                <a:endParaRPr b="0" lang="es-AR" sz="1800" spc="-1" strike="noStrike">
-                  <a:latin typeface="Arial"/>
-                </a:endParaRPr>
-              </a:p>
-            </p:txBody>
-          </p:sp>
-          <p:sp>
-            <p:nvSpPr>
-              <p:cNvPr id="51" name=""/>
-              <p:cNvSpPr txBox="1"/>
-              <p:nvPr/>
-            </p:nvSpPr>
-            <p:spPr>
-              <a:xfrm>
-                <a:off x="5040000" y="2277720"/>
-                <a:ext cx="2520000" cy="602280"/>
-              </a:xfrm>
-              <a:prstGeom prst="rect">
-                <a:avLst/>
-              </a:prstGeom>
-              <a:solidFill>
-                <a:srgbClr val="afd095"/>
-              </a:solidFill>
-              <a:ln w="0">
-                <a:noFill/>
-              </a:ln>
-            </p:spPr>
-            <p:txBody>
-              <a:bodyPr lIns="90000" rIns="90000" tIns="45000" bIns="45000" anchor="t">
-                <a:noAutofit/>
-              </a:bodyPr>
-              <a:p>
-                <a:pPr algn="ctr">
-                  <a:buNone/>
-                </a:pPr>
-                <a:r>
-                  <a:rPr b="0" lang="es-AR" sz="1800" spc="-1" strike="noStrike">
-                    <a:latin typeface="Arial"/>
-                  </a:rPr>
-                  <a:t>Salida de calefacción</a:t>
-                </a:r>
-                <a:endParaRPr b="0" lang="es-AR" sz="1800" spc="-1" strike="noStrike">
-                  <a:latin typeface="Arial"/>
-                </a:endParaRPr>
-              </a:p>
-              <a:p>
-                <a:pPr algn="ctr">
-                  <a:buNone/>
-                </a:pPr>
-                <a:r>
-                  <a:rPr b="0" lang="es-AR" sz="1800" spc="-1" strike="noStrike">
-                    <a:latin typeface="Arial"/>
-                  </a:rPr>
-                  <a:t>Relé 220VAC</a:t>
-                </a:r>
-                <a:endParaRPr b="0" lang="es-AR" sz="1800" spc="-1" strike="noStrike">
-                  <a:latin typeface="Arial"/>
-                </a:endParaRPr>
-              </a:p>
-            </p:txBody>
-          </p:sp>
-          <p:sp>
-            <p:nvSpPr>
-              <p:cNvPr id="52" name=""/>
-              <p:cNvSpPr/>
-              <p:nvPr/>
-            </p:nvSpPr>
-            <p:spPr>
-              <a:xfrm>
-                <a:off x="4320000" y="1862280"/>
-                <a:ext cx="0" cy="415440"/>
-              </a:xfrm>
-              <a:prstGeom prst="line">
-                <a:avLst/>
-              </a:prstGeom>
-              <a:ln w="0">
+                <a:latin typeface="Arial"/>
+                <a:ea typeface="DejaVu Sans"/>
+              </a:rPr>
+              <a:t>BMP280</a:t>
+            </a:r>
+            <a:endParaRPr b="0" lang="es-AR" sz="1800" spc="-1" strike="noStrike">
+              <a:latin typeface="Arial"/>
+            </a:endParaRPr>
+          </a:p>
+        </p:txBody>
+      </p:sp>
+      <p:sp>
+        <p:nvSpPr>
+          <p:cNvPr id="49" name=""/>
+          <p:cNvSpPr txBox="1"/>
+          <p:nvPr/>
+        </p:nvSpPr>
+        <p:spPr>
+          <a:xfrm>
+            <a:off x="900000" y="1260000"/>
+            <a:ext cx="2520000" cy="602280"/>
+          </a:xfrm>
+          <a:prstGeom prst="rect">
+            <a:avLst/>
+          </a:prstGeom>
+          <a:solidFill>
+            <a:srgbClr val="ffb66c"/>
+          </a:solidFill>
+          <a:ln w="0">
+            <a:noFill/>
+          </a:ln>
+        </p:spPr>
+        <p:txBody>
+          <a:bodyPr lIns="90000" rIns="90000" tIns="45000" bIns="45000" anchor="t">
+            <a:noAutofit/>
+          </a:bodyPr>
+          <a:p>
+            <a:pPr algn="ctr">
+              <a:lnSpc>
+                <a:spcPct val="100000"/>
+              </a:lnSpc>
+              <a:buNone/>
+            </a:pPr>
+            <a:r>
+              <a:rPr b="0" lang="es-AR" sz="1800" spc="-1" strike="noStrike">
                 <a:solidFill>
                   <a:srgbClr val="000000"/>
                 </a:solidFill>
-                <a:tailEnd len="med" type="triangle" w="med"/>
-              </a:ln>
-            </p:spPr>
-            <p:style>
-              <a:lnRef idx="0"/>
-              <a:fillRef idx="0"/>
-              <a:effectRef idx="0"/>
-              <a:fontRef idx="minor"/>
-            </p:style>
-          </p:sp>
-          <p:sp>
-            <p:nvSpPr>
-              <p:cNvPr id="53" name=""/>
-              <p:cNvSpPr/>
-              <p:nvPr/>
-            </p:nvSpPr>
-            <p:spPr>
-              <a:xfrm>
-                <a:off x="5760000" y="1862280"/>
-                <a:ext cx="0" cy="415440"/>
-              </a:xfrm>
-              <a:prstGeom prst="line">
-                <a:avLst/>
-              </a:prstGeom>
-              <a:ln w="0">
+                <a:latin typeface="Arial"/>
+                <a:ea typeface="DejaVu Sans"/>
+              </a:rPr>
+              <a:t>Mando de luces</a:t>
+            </a:r>
+            <a:endParaRPr b="0" lang="es-AR" sz="1800" spc="-1" strike="noStrike">
+              <a:latin typeface="Arial"/>
+            </a:endParaRPr>
+          </a:p>
+          <a:p>
+            <a:pPr algn="ctr">
+              <a:lnSpc>
+                <a:spcPct val="100000"/>
+              </a:lnSpc>
+              <a:buNone/>
+            </a:pPr>
+            <a:r>
+              <a:rPr b="0" lang="es-AR" sz="1800" spc="-1" strike="noStrike">
                 <a:solidFill>
                   <a:srgbClr val="000000"/>
                 </a:solidFill>
-                <a:tailEnd len="med" type="triangle" w="med"/>
-              </a:ln>
-            </p:spPr>
-            <p:style>
-              <a:lnRef idx="0"/>
-              <a:fillRef idx="0"/>
-              <a:effectRef idx="0"/>
-              <a:fontRef idx="minor"/>
-            </p:style>
-          </p:sp>
-          <p:sp>
-            <p:nvSpPr>
-              <p:cNvPr id="54" name=""/>
-              <p:cNvSpPr/>
-              <p:nvPr/>
-            </p:nvSpPr>
-            <p:spPr>
-              <a:xfrm>
-                <a:off x="720000" y="180000"/>
-                <a:ext cx="8640000" cy="2880000"/>
-              </a:xfrm>
-              <a:custGeom>
-                <a:avLst/>
-                <a:gdLst/>
-                <a:ahLst/>
-                <a:rect l="l" t="t" r="r" b="b"/>
-                <a:pathLst>
-                  <a:path w="64795" h="21600">
-                    <a:moveTo>
-                      <a:pt x="3600" y="0"/>
-                    </a:moveTo>
-                    <a:arcTo wR="3600" hR="3600" stAng="16200000" swAng="-5400000"/>
-                    <a:lnTo>
-                      <a:pt x="0" y="18000"/>
-                    </a:lnTo>
-                    <a:arcTo wR="3600" hR="3600" stAng="10800000" swAng="-5400000"/>
-                    <a:lnTo>
-                      <a:pt x="61195" y="21600"/>
-                    </a:lnTo>
-                    <a:arcTo wR="39595" hR="3600" stAng="5400000" swAng="5400000"/>
-                    <a:lnTo>
-                      <a:pt x="21600" y="3600"/>
-                    </a:lnTo>
-                    <a:arcTo wR="39595" hR="3600" stAng="10800000" swAng="5400000"/>
-                    <a:close/>
-                  </a:path>
-                </a:pathLst>
-              </a:custGeom>
-              <a:noFill/>
-              <a:ln w="0">
+                <a:latin typeface="Arial"/>
+                <a:ea typeface="DejaVu Sans"/>
+              </a:rPr>
+              <a:t>Potenciómetro digital</a:t>
+            </a:r>
+            <a:endParaRPr b="0" lang="es-AR" sz="1800" spc="-1" strike="noStrike">
+              <a:latin typeface="Arial"/>
+            </a:endParaRPr>
+          </a:p>
+        </p:txBody>
+      </p:sp>
+      <p:sp>
+        <p:nvSpPr>
+          <p:cNvPr id="50" name=""/>
+          <p:cNvSpPr txBox="1"/>
+          <p:nvPr/>
+        </p:nvSpPr>
+        <p:spPr>
+          <a:xfrm>
+            <a:off x="3780000" y="1260000"/>
+            <a:ext cx="2520000" cy="602280"/>
+          </a:xfrm>
+          <a:prstGeom prst="rect">
+            <a:avLst/>
+          </a:prstGeom>
+          <a:solidFill>
+            <a:srgbClr val="ec9ba4"/>
+          </a:solidFill>
+          <a:ln w="0">
+            <a:noFill/>
+          </a:ln>
+        </p:spPr>
+        <p:txBody>
+          <a:bodyPr lIns="90000" rIns="90000" tIns="45000" bIns="45000" anchor="t">
+            <a:noAutofit/>
+          </a:bodyPr>
+          <a:p>
+            <a:pPr algn="ctr">
+              <a:lnSpc>
+                <a:spcPct val="100000"/>
+              </a:lnSpc>
+              <a:buNone/>
+            </a:pPr>
+            <a:r>
+              <a:rPr b="0" lang="es-AR" sz="1800" spc="-1" strike="noStrike">
                 <a:solidFill>
                   <a:srgbClr val="000000"/>
                 </a:solidFill>
-                <a:prstDash val="dash"/>
-              </a:ln>
-            </p:spPr>
-            <p:style>
-              <a:lnRef idx="0"/>
-              <a:fillRef idx="0"/>
-              <a:effectRef idx="0"/>
-              <a:fontRef idx="minor"/>
-            </p:style>
-          </p:sp>
-          <p:sp>
-            <p:nvSpPr>
-              <p:cNvPr id="55" name=""/>
-              <p:cNvSpPr txBox="1"/>
-              <p:nvPr/>
-            </p:nvSpPr>
-            <p:spPr>
-              <a:xfrm>
-                <a:off x="3960000" y="3073680"/>
-                <a:ext cx="2160000" cy="346320"/>
-              </a:xfrm>
-              <a:prstGeom prst="rect">
-                <a:avLst/>
-              </a:prstGeom>
-              <a:noFill/>
-              <a:ln w="0">
-                <a:noFill/>
-              </a:ln>
-            </p:spPr>
-            <p:txBody>
-              <a:bodyPr lIns="90000" rIns="90000" tIns="45000" bIns="45000" anchor="t">
-                <a:noAutofit/>
-              </a:bodyPr>
-              <a:p>
-                <a:pPr algn="ctr">
-                  <a:buNone/>
-                </a:pPr>
-                <a:r>
-                  <a:rPr b="0" lang="es-AR" sz="1800" spc="-1" strike="noStrike">
-                    <a:latin typeface="Arial"/>
-                  </a:rPr>
-                  <a:t>Actuador remoto</a:t>
-                </a:r>
-                <a:endParaRPr b="0" lang="es-AR" sz="1800" spc="-1" strike="noStrike">
-                  <a:latin typeface="Arial"/>
-                </a:endParaRPr>
-              </a:p>
-            </p:txBody>
-          </p:sp>
-        </p:grpSp>
-        <p:grpSp>
-          <p:nvGrpSpPr>
-            <p:cNvPr id="56" name=""/>
-            <p:cNvGrpSpPr/>
-            <p:nvPr/>
-          </p:nvGrpSpPr>
-          <p:grpSpPr>
-            <a:xfrm>
-              <a:off x="1620000" y="3060000"/>
-              <a:ext cx="7560000" cy="2160000"/>
-              <a:chOff x="1620000" y="3060000"/>
-              <a:chExt cx="7560000" cy="2160000"/>
-            </a:xfrm>
-          </p:grpSpPr>
-          <p:sp>
-            <p:nvSpPr>
-              <p:cNvPr id="57" name=""/>
-              <p:cNvSpPr txBox="1"/>
-              <p:nvPr/>
-            </p:nvSpPr>
-            <p:spPr>
-              <a:xfrm>
-                <a:off x="1620000" y="4140000"/>
-                <a:ext cx="2520000" cy="602280"/>
-              </a:xfrm>
-              <a:prstGeom prst="rect">
-                <a:avLst/>
-              </a:prstGeom>
-              <a:solidFill>
-                <a:srgbClr val="729fcf"/>
-              </a:solidFill>
-              <a:ln w="0">
-                <a:noFill/>
-              </a:ln>
-            </p:spPr>
-            <p:txBody>
-              <a:bodyPr lIns="90000" rIns="90000" tIns="45000" bIns="45000" anchor="t">
-                <a:noAutofit/>
-              </a:bodyPr>
-              <a:p>
-                <a:pPr algn="ctr">
-                  <a:buNone/>
-                </a:pPr>
-                <a:r>
-                  <a:rPr b="0" lang="es-AR" sz="1800" spc="-1" strike="noStrike">
-                    <a:latin typeface="Arial"/>
-                  </a:rPr>
-                  <a:t>Servidor backend</a:t>
-                </a:r>
-                <a:endParaRPr b="0" lang="es-AR" sz="1800" spc="-1" strike="noStrike">
-                  <a:latin typeface="Arial"/>
-                </a:endParaRPr>
-              </a:p>
-              <a:p>
-                <a:pPr algn="ctr">
-                  <a:buNone/>
-                </a:pPr>
-                <a:r>
-                  <a:rPr b="0" lang="es-AR" sz="1800" spc="-1" strike="noStrike">
-                    <a:latin typeface="Arial"/>
-                  </a:rPr>
-                  <a:t>Raspberry Pi</a:t>
-                </a:r>
-                <a:endParaRPr b="0" lang="es-AR" sz="1800" spc="-1" strike="noStrike">
-                  <a:latin typeface="Arial"/>
-                </a:endParaRPr>
-              </a:p>
-            </p:txBody>
-          </p:sp>
-          <p:sp>
-            <p:nvSpPr>
-              <p:cNvPr id="58" name=""/>
-              <p:cNvSpPr txBox="1"/>
-              <p:nvPr/>
-            </p:nvSpPr>
-            <p:spPr>
-              <a:xfrm>
-                <a:off x="5760000" y="4140000"/>
-                <a:ext cx="2520000" cy="602280"/>
-              </a:xfrm>
-              <a:prstGeom prst="rect">
-                <a:avLst/>
-              </a:prstGeom>
-              <a:solidFill>
-                <a:srgbClr val="ffff6d"/>
-              </a:solidFill>
-              <a:ln w="0">
-                <a:noFill/>
-              </a:ln>
-            </p:spPr>
-            <p:txBody>
-              <a:bodyPr lIns="90000" rIns="90000" tIns="45000" bIns="45000" anchor="t">
-                <a:noAutofit/>
-              </a:bodyPr>
-              <a:p>
-                <a:pPr algn="ctr">
-                  <a:buNone/>
-                </a:pPr>
-                <a:r>
-                  <a:rPr b="0" lang="es-AR" sz="1800" spc="-1" strike="noStrike">
-                    <a:latin typeface="Arial"/>
-                  </a:rPr>
-                  <a:t>Frontend web</a:t>
-                </a:r>
-                <a:endParaRPr b="0" lang="es-AR" sz="1800" spc="-1" strike="noStrike">
-                  <a:latin typeface="Arial"/>
-                </a:endParaRPr>
-              </a:p>
-              <a:p>
-                <a:pPr algn="ctr">
-                  <a:buNone/>
-                </a:pPr>
-                <a:r>
-                  <a:rPr b="0" lang="es-AR" sz="1800" spc="-1" strike="noStrike">
-                    <a:latin typeface="Arial"/>
-                  </a:rPr>
-                  <a:t>Acceso por PC</a:t>
-                </a:r>
-                <a:endParaRPr b="0" lang="es-AR" sz="1800" spc="-1" strike="noStrike">
-                  <a:latin typeface="Arial"/>
-                </a:endParaRPr>
-              </a:p>
-            </p:txBody>
-          </p:sp>
-          <p:sp>
-            <p:nvSpPr>
-              <p:cNvPr id="59" name=""/>
-              <p:cNvSpPr/>
-              <p:nvPr/>
-            </p:nvSpPr>
-            <p:spPr>
-              <a:xfrm flipH="1">
-                <a:off x="2880000" y="3060000"/>
-                <a:ext cx="540000" cy="1080000"/>
-              </a:xfrm>
-              <a:prstGeom prst="line">
-                <a:avLst/>
-              </a:prstGeom>
-              <a:ln w="0">
+                <a:latin typeface="Arial"/>
+                <a:ea typeface="DejaVu Sans"/>
+              </a:rPr>
+              <a:t>Módulo de control</a:t>
+            </a:r>
+            <a:endParaRPr b="0" lang="es-AR" sz="1800" spc="-1" strike="noStrike">
+              <a:latin typeface="Arial"/>
+            </a:endParaRPr>
+          </a:p>
+          <a:p>
+            <a:pPr algn="ctr">
+              <a:lnSpc>
+                <a:spcPct val="100000"/>
+              </a:lnSpc>
+              <a:buNone/>
+            </a:pPr>
+            <a:r>
+              <a:rPr b="0" lang="es-AR" sz="1800" spc="-1" strike="noStrike">
                 <a:solidFill>
                   <a:srgbClr val="000000"/>
                 </a:solidFill>
-                <a:prstDash val="dash"/>
-                <a:headEnd len="med" type="triangle" w="med"/>
-                <a:tailEnd len="med" type="triangle" w="med"/>
-              </a:ln>
-            </p:spPr>
-            <p:style>
-              <a:lnRef idx="0"/>
-              <a:fillRef idx="0"/>
-              <a:effectRef idx="0"/>
-              <a:fontRef idx="minor"/>
-            </p:style>
-          </p:sp>
-          <p:sp>
-            <p:nvSpPr>
-              <p:cNvPr id="60" name=""/>
-              <p:cNvSpPr/>
-              <p:nvPr/>
-            </p:nvSpPr>
-            <p:spPr>
-              <a:xfrm>
-                <a:off x="4140000" y="4429440"/>
-                <a:ext cx="1620000" cy="0"/>
-              </a:xfrm>
-              <a:prstGeom prst="line">
-                <a:avLst/>
-              </a:prstGeom>
-              <a:ln w="0">
+                <a:latin typeface="Arial"/>
+                <a:ea typeface="DejaVu Sans"/>
+              </a:rPr>
+              <a:t>ESP32</a:t>
+            </a:r>
+            <a:endParaRPr b="0" lang="es-AR" sz="1800" spc="-1" strike="noStrike">
+              <a:latin typeface="Arial"/>
+            </a:endParaRPr>
+          </a:p>
+        </p:txBody>
+      </p:sp>
+      <p:sp>
+        <p:nvSpPr>
+          <p:cNvPr id="51" name=""/>
+          <p:cNvSpPr txBox="1"/>
+          <p:nvPr/>
+        </p:nvSpPr>
+        <p:spPr>
+          <a:xfrm>
+            <a:off x="6660000" y="1260000"/>
+            <a:ext cx="2520000" cy="602280"/>
+          </a:xfrm>
+          <a:prstGeom prst="rect">
+            <a:avLst/>
+          </a:prstGeom>
+          <a:solidFill>
+            <a:srgbClr val="afd095"/>
+          </a:solidFill>
+          <a:ln w="0">
+            <a:noFill/>
+          </a:ln>
+        </p:spPr>
+        <p:txBody>
+          <a:bodyPr lIns="90000" rIns="90000" tIns="45000" bIns="45000" anchor="t">
+            <a:noAutofit/>
+          </a:bodyPr>
+          <a:p>
+            <a:pPr algn="ctr">
+              <a:lnSpc>
+                <a:spcPct val="100000"/>
+              </a:lnSpc>
+              <a:buNone/>
+            </a:pPr>
+            <a:r>
+              <a:rPr b="0" lang="es-AR" sz="1800" spc="-1" strike="noStrike">
                 <a:solidFill>
                   <a:srgbClr val="000000"/>
                 </a:solidFill>
-                <a:prstDash val="dash"/>
-                <a:headEnd len="med" type="triangle" w="med"/>
-                <a:tailEnd len="med" type="triangle" w="med"/>
-              </a:ln>
-            </p:spPr>
-            <p:style>
-              <a:lnRef idx="0"/>
-              <a:fillRef idx="0"/>
-              <a:effectRef idx="0"/>
-              <a:fontRef idx="minor"/>
-            </p:style>
-          </p:sp>
-          <p:sp>
-            <p:nvSpPr>
-              <p:cNvPr id="61" name=""/>
-              <p:cNvSpPr txBox="1"/>
-              <p:nvPr/>
-            </p:nvSpPr>
-            <p:spPr>
-              <a:xfrm>
-                <a:off x="2411280" y="3452400"/>
-                <a:ext cx="720000" cy="346320"/>
-              </a:xfrm>
-              <a:prstGeom prst="rect">
-                <a:avLst/>
-              </a:prstGeom>
-              <a:noFill/>
-              <a:ln w="0">
-                <a:noFill/>
-              </a:ln>
-            </p:spPr>
-            <p:txBody>
-              <a:bodyPr lIns="90000" rIns="90000" tIns="45000" bIns="45000" anchor="t">
-                <a:noAutofit/>
-              </a:bodyPr>
-              <a:p>
-                <a:pPr algn="ctr">
-                  <a:buNone/>
-                </a:pPr>
-                <a:r>
-                  <a:rPr b="0" lang="es-AR" sz="1800" spc="-1" strike="noStrike">
-                    <a:latin typeface="Arial"/>
-                  </a:rPr>
-                  <a:t>WiFi</a:t>
-                </a:r>
-                <a:endParaRPr b="0" lang="es-AR" sz="1800" spc="-1" strike="noStrike">
-                  <a:latin typeface="Arial"/>
-                </a:endParaRPr>
-              </a:p>
-            </p:txBody>
-          </p:sp>
-          <p:sp>
-            <p:nvSpPr>
-              <p:cNvPr id="62" name=""/>
-              <p:cNvSpPr txBox="1"/>
-              <p:nvPr/>
-            </p:nvSpPr>
-            <p:spPr>
-              <a:xfrm>
-                <a:off x="4580640" y="4069440"/>
-                <a:ext cx="720000" cy="346320"/>
-              </a:xfrm>
-              <a:prstGeom prst="rect">
-                <a:avLst/>
-              </a:prstGeom>
-              <a:noFill/>
-              <a:ln w="0">
-                <a:noFill/>
-              </a:ln>
-            </p:spPr>
-            <p:txBody>
-              <a:bodyPr lIns="90000" rIns="90000" tIns="45000" bIns="45000" anchor="t">
-                <a:noAutofit/>
-              </a:bodyPr>
-              <a:p>
-                <a:pPr algn="ctr">
-                  <a:buNone/>
-                </a:pPr>
-                <a:r>
-                  <a:rPr b="0" lang="es-AR" sz="1800" spc="-1" strike="noStrike">
-                    <a:latin typeface="Arial"/>
-                  </a:rPr>
-                  <a:t>WiFi</a:t>
-                </a:r>
-                <a:endParaRPr b="0" lang="es-AR" sz="1800" spc="-1" strike="noStrike">
-                  <a:latin typeface="Arial"/>
-                </a:endParaRPr>
-              </a:p>
-            </p:txBody>
-          </p:sp>
-          <p:pic>
-            <p:nvPicPr>
-              <p:cNvPr id="63" name="" descr=""/>
-              <p:cNvPicPr/>
-              <p:nvPr/>
-            </p:nvPicPr>
-            <p:blipFill>
-              <a:blip r:embed="rId1"/>
-              <a:srcRect l="0" t="0" r="0" b="5761"/>
-              <a:stretch/>
-            </p:blipFill>
-            <p:spPr>
-              <a:xfrm>
-                <a:off x="8325720" y="3890880"/>
-                <a:ext cx="494280" cy="969120"/>
-              </a:xfrm>
-              <a:prstGeom prst="rect">
-                <a:avLst/>
-              </a:prstGeom>
-              <a:ln w="0">
-                <a:noFill/>
-              </a:ln>
-            </p:spPr>
-          </p:pic>
-          <p:sp>
-            <p:nvSpPr>
-              <p:cNvPr id="64" name=""/>
-              <p:cNvSpPr txBox="1"/>
-              <p:nvPr/>
-            </p:nvSpPr>
-            <p:spPr>
-              <a:xfrm>
-                <a:off x="8100000" y="4873680"/>
-                <a:ext cx="1080000" cy="346320"/>
-              </a:xfrm>
-              <a:prstGeom prst="rect">
-                <a:avLst/>
-              </a:prstGeom>
-              <a:noFill/>
-              <a:ln w="0">
-                <a:noFill/>
-              </a:ln>
-            </p:spPr>
-            <p:txBody>
-              <a:bodyPr lIns="90000" rIns="90000" tIns="45000" bIns="45000" anchor="t">
-                <a:noAutofit/>
-              </a:bodyPr>
-              <a:p>
-                <a:pPr algn="ctr">
-                  <a:buNone/>
-                </a:pPr>
-                <a:r>
-                  <a:rPr b="0" lang="es-AR" sz="1800" spc="-1" strike="noStrike">
-                    <a:latin typeface="Arial"/>
-                  </a:rPr>
-                  <a:t>Usuario</a:t>
-                </a:r>
-                <a:endParaRPr b="0" lang="es-AR" sz="1800" spc="-1" strike="noStrike">
-                  <a:latin typeface="Arial"/>
-                </a:endParaRPr>
-              </a:p>
-            </p:txBody>
-          </p:sp>
-        </p:grpSp>
-      </p:grpSp>
+                <a:latin typeface="Arial"/>
+                <a:ea typeface="DejaVu Sans"/>
+              </a:rPr>
+              <a:t>Pantalla de estado</a:t>
+            </a:r>
+            <a:endParaRPr b="0" lang="es-AR" sz="1800" spc="-1" strike="noStrike">
+              <a:latin typeface="Arial"/>
+            </a:endParaRPr>
+          </a:p>
+          <a:p>
+            <a:pPr algn="ctr">
+              <a:lnSpc>
+                <a:spcPct val="100000"/>
+              </a:lnSpc>
+              <a:buNone/>
+            </a:pPr>
+            <a:r>
+              <a:rPr b="0" lang="es-AR" sz="1800" spc="-1" strike="noStrike">
+                <a:solidFill>
+                  <a:srgbClr val="000000"/>
+                </a:solidFill>
+                <a:latin typeface="Arial"/>
+                <a:ea typeface="DejaVu Sans"/>
+              </a:rPr>
+              <a:t>Display matricial</a:t>
+            </a:r>
+            <a:endParaRPr b="0" lang="es-AR" sz="1800" spc="-1" strike="noStrike">
+              <a:latin typeface="Arial"/>
+            </a:endParaRPr>
+          </a:p>
+        </p:txBody>
+      </p:sp>
+      <p:sp>
+        <p:nvSpPr>
+          <p:cNvPr id="52" name=""/>
+          <p:cNvSpPr txBox="1"/>
+          <p:nvPr/>
+        </p:nvSpPr>
+        <p:spPr>
+          <a:xfrm>
+            <a:off x="2340000" y="2277720"/>
+            <a:ext cx="2520000" cy="602280"/>
+          </a:xfrm>
+          <a:prstGeom prst="rect">
+            <a:avLst/>
+          </a:prstGeom>
+          <a:solidFill>
+            <a:srgbClr val="afd095"/>
+          </a:solidFill>
+          <a:ln w="0">
+            <a:noFill/>
+          </a:ln>
+        </p:spPr>
+        <p:txBody>
+          <a:bodyPr lIns="90000" rIns="90000" tIns="45000" bIns="45000" anchor="t">
+            <a:noAutofit/>
+          </a:bodyPr>
+          <a:p>
+            <a:pPr algn="ctr">
+              <a:lnSpc>
+                <a:spcPct val="100000"/>
+              </a:lnSpc>
+              <a:buNone/>
+            </a:pPr>
+            <a:r>
+              <a:rPr b="0" lang="es-AR" sz="1800" spc="-1" strike="noStrike">
+                <a:solidFill>
+                  <a:srgbClr val="000000"/>
+                </a:solidFill>
+                <a:latin typeface="Arial"/>
+                <a:ea typeface="DejaVu Sans"/>
+              </a:rPr>
+              <a:t>Salida de iluminación</a:t>
+            </a:r>
+            <a:endParaRPr b="0" lang="es-AR" sz="1800" spc="-1" strike="noStrike">
+              <a:latin typeface="Arial"/>
+            </a:endParaRPr>
+          </a:p>
+          <a:p>
+            <a:pPr algn="ctr">
+              <a:lnSpc>
+                <a:spcPct val="100000"/>
+              </a:lnSpc>
+              <a:buNone/>
+            </a:pPr>
+            <a:r>
+              <a:rPr b="0" lang="es-AR" sz="1800" spc="-1" strike="noStrike">
+                <a:solidFill>
+                  <a:srgbClr val="000000"/>
+                </a:solidFill>
+                <a:latin typeface="Arial"/>
+                <a:ea typeface="DejaVu Sans"/>
+              </a:rPr>
+              <a:t>PWM 12VCC</a:t>
+            </a:r>
+            <a:endParaRPr b="0" lang="es-AR" sz="1800" spc="-1" strike="noStrike">
+              <a:latin typeface="Arial"/>
+            </a:endParaRPr>
+          </a:p>
+        </p:txBody>
+      </p:sp>
+      <p:sp>
+        <p:nvSpPr>
+          <p:cNvPr id="53" name=""/>
+          <p:cNvSpPr txBox="1"/>
+          <p:nvPr/>
+        </p:nvSpPr>
+        <p:spPr>
+          <a:xfrm>
+            <a:off x="5220000" y="2277720"/>
+            <a:ext cx="2520000" cy="602280"/>
+          </a:xfrm>
+          <a:prstGeom prst="rect">
+            <a:avLst/>
+          </a:prstGeom>
+          <a:solidFill>
+            <a:srgbClr val="afd095"/>
+          </a:solidFill>
+          <a:ln w="0">
+            <a:noFill/>
+          </a:ln>
+        </p:spPr>
+        <p:txBody>
+          <a:bodyPr lIns="90000" rIns="90000" tIns="45000" bIns="45000" anchor="t">
+            <a:noAutofit/>
+          </a:bodyPr>
+          <a:p>
+            <a:pPr algn="ctr">
+              <a:lnSpc>
+                <a:spcPct val="100000"/>
+              </a:lnSpc>
+              <a:buNone/>
+            </a:pPr>
+            <a:r>
+              <a:rPr b="0" lang="es-AR" sz="1800" spc="-1" strike="noStrike">
+                <a:solidFill>
+                  <a:srgbClr val="000000"/>
+                </a:solidFill>
+                <a:latin typeface="Arial"/>
+                <a:ea typeface="DejaVu Sans"/>
+              </a:rPr>
+              <a:t>Salida de calefacción</a:t>
+            </a:r>
+            <a:endParaRPr b="0" lang="es-AR" sz="1800" spc="-1" strike="noStrike">
+              <a:latin typeface="Arial"/>
+            </a:endParaRPr>
+          </a:p>
+          <a:p>
+            <a:pPr algn="ctr">
+              <a:lnSpc>
+                <a:spcPct val="100000"/>
+              </a:lnSpc>
+              <a:buNone/>
+            </a:pPr>
+            <a:r>
+              <a:rPr b="0" lang="es-AR" sz="1800" spc="-1" strike="noStrike">
+                <a:solidFill>
+                  <a:srgbClr val="000000"/>
+                </a:solidFill>
+                <a:latin typeface="Arial"/>
+                <a:ea typeface="DejaVu Sans"/>
+              </a:rPr>
+              <a:t>Relé 220VAC</a:t>
+            </a:r>
+            <a:endParaRPr b="0" lang="es-AR" sz="1800" spc="-1" strike="noStrike">
+              <a:latin typeface="Arial"/>
+            </a:endParaRPr>
+          </a:p>
+        </p:txBody>
+      </p:sp>
+      <p:pic>
+        <p:nvPicPr>
+          <p:cNvPr id="54" name="" descr=""/>
+          <p:cNvPicPr/>
+          <p:nvPr/>
+        </p:nvPicPr>
+        <p:blipFill>
+          <a:blip r:embed="rId1"/>
+          <a:srcRect l="15869" t="17437" r="17468" b="17468"/>
+          <a:stretch/>
+        </p:blipFill>
+        <p:spPr>
+          <a:xfrm>
+            <a:off x="4311360" y="3796920"/>
+            <a:ext cx="1088640" cy="1063080"/>
+          </a:xfrm>
+          <a:prstGeom prst="rect">
+            <a:avLst/>
+          </a:prstGeom>
+          <a:ln w="0">
+            <a:noFill/>
+          </a:ln>
+        </p:spPr>
+      </p:pic>
+      <p:sp>
+        <p:nvSpPr>
+          <p:cNvPr id="55" name=""/>
+          <p:cNvSpPr/>
+          <p:nvPr/>
+        </p:nvSpPr>
+        <p:spPr>
+          <a:xfrm>
+            <a:off x="3780000" y="4874400"/>
+            <a:ext cx="2159280" cy="345600"/>
+          </a:xfrm>
+          <a:prstGeom prst="rect">
+            <a:avLst/>
+          </a:prstGeom>
+          <a:noFill/>
+          <a:ln w="0">
+            <a:noFill/>
+          </a:ln>
+        </p:spPr>
+        <p:style>
+          <a:lnRef idx="0"/>
+          <a:fillRef idx="0"/>
+          <a:effectRef idx="0"/>
+          <a:fontRef idx="minor"/>
+        </p:style>
+        <p:txBody>
+          <a:bodyPr lIns="90000" rIns="90000" tIns="45000" bIns="45000" anchor="t">
+            <a:noAutofit/>
+          </a:bodyPr>
+          <a:p>
+            <a:pPr algn="ctr">
+              <a:lnSpc>
+                <a:spcPct val="100000"/>
+              </a:lnSpc>
+              <a:buNone/>
+            </a:pPr>
+            <a:r>
+              <a:rPr b="0" i="1" lang="es-AR" sz="1800" spc="-1" strike="noStrike">
+                <a:solidFill>
+                  <a:srgbClr val="000000"/>
+                </a:solidFill>
+                <a:latin typeface="Arial"/>
+                <a:ea typeface="DejaVu Sans"/>
+              </a:rPr>
+              <a:t>Router</a:t>
+            </a:r>
+            <a:endParaRPr b="0" i="1" lang="es-AR" sz="1800" spc="-1" strike="noStrike">
+              <a:latin typeface="Arial"/>
+            </a:endParaRPr>
+          </a:p>
+        </p:txBody>
+      </p:sp>
+      <p:sp>
+        <p:nvSpPr>
+          <p:cNvPr id="56" name=""/>
+          <p:cNvSpPr/>
+          <p:nvPr/>
+        </p:nvSpPr>
+        <p:spPr>
+          <a:xfrm>
+            <a:off x="4860000" y="3060000"/>
+            <a:ext cx="0" cy="720000"/>
+          </a:xfrm>
+          <a:prstGeom prst="line">
+            <a:avLst/>
+          </a:prstGeom>
+          <a:ln w="0">
+            <a:solidFill>
+              <a:srgbClr val="000000"/>
+            </a:solidFill>
+            <a:prstDash val="dash"/>
+            <a:headEnd len="med" type="triangle" w="med"/>
+            <a:tailEnd len="med" type="triangle" w="med"/>
+          </a:ln>
+        </p:spPr>
+        <p:style>
+          <a:lnRef idx="0"/>
+          <a:fillRef idx="0"/>
+          <a:effectRef idx="0"/>
+          <a:fontRef idx="minor"/>
+        </p:style>
+      </p:sp>
+      <p:sp>
+        <p:nvSpPr>
+          <p:cNvPr id="57" name=""/>
+          <p:cNvSpPr/>
+          <p:nvPr/>
+        </p:nvSpPr>
+        <p:spPr>
+          <a:xfrm>
+            <a:off x="5400000" y="4139640"/>
+            <a:ext cx="1440000" cy="360"/>
+          </a:xfrm>
+          <a:prstGeom prst="line">
+            <a:avLst/>
+          </a:prstGeom>
+          <a:ln w="0">
+            <a:solidFill>
+              <a:srgbClr val="000000"/>
+            </a:solidFill>
+            <a:prstDash val="dash"/>
+            <a:headEnd len="med" type="triangle" w="med"/>
+            <a:tailEnd len="med" type="triangle" w="med"/>
+          </a:ln>
+        </p:spPr>
+        <p:style>
+          <a:lnRef idx="0"/>
+          <a:fillRef idx="0"/>
+          <a:effectRef idx="0"/>
+          <a:fontRef idx="minor"/>
+        </p:style>
+      </p:sp>
+      <p:sp>
+        <p:nvSpPr>
+          <p:cNvPr id="58" name=""/>
+          <p:cNvSpPr/>
+          <p:nvPr/>
+        </p:nvSpPr>
+        <p:spPr>
+          <a:xfrm>
+            <a:off x="3060000" y="3974400"/>
+            <a:ext cx="1079280" cy="345600"/>
+          </a:xfrm>
+          <a:prstGeom prst="rect">
+            <a:avLst/>
+          </a:prstGeom>
+          <a:noFill/>
+          <a:ln w="0">
+            <a:noFill/>
+          </a:ln>
+        </p:spPr>
+        <p:style>
+          <a:lnRef idx="0"/>
+          <a:fillRef idx="0"/>
+          <a:effectRef idx="0"/>
+          <a:fontRef idx="minor"/>
+        </p:style>
+        <p:txBody>
+          <a:bodyPr lIns="90000" rIns="90000" tIns="45000" bIns="45000" anchor="t">
+            <a:noAutofit/>
+          </a:bodyPr>
+          <a:p>
+            <a:pPr algn="ctr">
+              <a:lnSpc>
+                <a:spcPct val="100000"/>
+              </a:lnSpc>
+              <a:buNone/>
+            </a:pPr>
+            <a:r>
+              <a:rPr b="0" i="1" lang="es-AR" sz="1800" spc="-1" strike="noStrike">
+                <a:solidFill>
+                  <a:srgbClr val="000000"/>
+                </a:solidFill>
+                <a:latin typeface="Arial"/>
+                <a:ea typeface="DejaVu Sans"/>
+              </a:rPr>
+              <a:t>Ethernet</a:t>
+            </a:r>
+            <a:endParaRPr b="0" i="1" lang="es-AR" sz="1800" spc="-1" strike="noStrike">
+              <a:latin typeface="Arial"/>
+            </a:endParaRPr>
+          </a:p>
+        </p:txBody>
+      </p:sp>
+      <p:sp>
+        <p:nvSpPr>
+          <p:cNvPr id="59" name=""/>
+          <p:cNvSpPr/>
+          <p:nvPr/>
+        </p:nvSpPr>
+        <p:spPr>
+          <a:xfrm>
+            <a:off x="5760720" y="3780000"/>
+            <a:ext cx="719280" cy="345600"/>
+          </a:xfrm>
+          <a:prstGeom prst="rect">
+            <a:avLst/>
+          </a:prstGeom>
+          <a:noFill/>
+          <a:ln w="0">
+            <a:noFill/>
+          </a:ln>
+        </p:spPr>
+        <p:style>
+          <a:lnRef idx="0"/>
+          <a:fillRef idx="0"/>
+          <a:effectRef idx="0"/>
+          <a:fontRef idx="minor"/>
+        </p:style>
+        <p:txBody>
+          <a:bodyPr lIns="90000" rIns="90000" tIns="45000" bIns="45000" anchor="t">
+            <a:noAutofit/>
+          </a:bodyPr>
+          <a:p>
+            <a:pPr algn="ctr">
+              <a:lnSpc>
+                <a:spcPct val="100000"/>
+              </a:lnSpc>
+              <a:buNone/>
+            </a:pPr>
+            <a:r>
+              <a:rPr b="0" i="1" lang="es-AR" sz="1800" spc="-1" strike="noStrike">
+                <a:solidFill>
+                  <a:srgbClr val="000000"/>
+                </a:solidFill>
+                <a:latin typeface="Arial"/>
+                <a:ea typeface="DejaVu Sans"/>
+              </a:rPr>
+              <a:t>WiFi</a:t>
+            </a:r>
+            <a:endParaRPr b="0" i="1" lang="es-AR" sz="1800" spc="-1" strike="noStrike">
+              <a:latin typeface="Arial"/>
+            </a:endParaRPr>
+          </a:p>
+        </p:txBody>
+      </p:sp>
+      <p:pic>
+        <p:nvPicPr>
+          <p:cNvPr id="60" name="" descr=""/>
+          <p:cNvPicPr/>
+          <p:nvPr/>
+        </p:nvPicPr>
+        <p:blipFill>
+          <a:blip r:embed="rId2"/>
+          <a:srcRect l="0" t="0" r="0" b="5761"/>
+          <a:stretch/>
+        </p:blipFill>
+        <p:spPr>
+          <a:xfrm>
+            <a:off x="9047160" y="3531600"/>
+            <a:ext cx="493560" cy="968400"/>
+          </a:xfrm>
+          <a:prstGeom prst="rect">
+            <a:avLst/>
+          </a:prstGeom>
+          <a:ln w="0">
+            <a:noFill/>
+          </a:ln>
+        </p:spPr>
+      </p:pic>
+      <p:sp>
+        <p:nvSpPr>
+          <p:cNvPr id="61" name=""/>
+          <p:cNvSpPr/>
+          <p:nvPr/>
+        </p:nvSpPr>
+        <p:spPr>
+          <a:xfrm>
+            <a:off x="8820720" y="4500000"/>
+            <a:ext cx="1079280" cy="360"/>
+          </a:xfrm>
+          <a:prstGeom prst="rect">
+            <a:avLst/>
+          </a:prstGeom>
+          <a:noFill/>
+          <a:ln w="0">
+            <a:noFill/>
+          </a:ln>
+        </p:spPr>
+        <p:style>
+          <a:lnRef idx="0"/>
+          <a:fillRef idx="0"/>
+          <a:effectRef idx="0"/>
+          <a:fontRef idx="minor"/>
+        </p:style>
+        <p:txBody>
+          <a:bodyPr lIns="90000" rIns="90000" tIns="90000" bIns="90000" anchor="t">
+            <a:noAutofit/>
+          </a:bodyPr>
+          <a:p>
+            <a:pPr algn="ctr">
+              <a:lnSpc>
+                <a:spcPct val="100000"/>
+              </a:lnSpc>
+              <a:buNone/>
+            </a:pPr>
+            <a:r>
+              <a:rPr b="0" i="1" lang="es-AR" sz="1800" spc="-1" strike="noStrike">
+                <a:solidFill>
+                  <a:srgbClr val="000000"/>
+                </a:solidFill>
+                <a:latin typeface="Arial"/>
+                <a:ea typeface="DejaVu Sans"/>
+              </a:rPr>
+              <a:t>Usuario</a:t>
+            </a:r>
+            <a:endParaRPr b="0" i="1" lang="es-AR" sz="1800" spc="-1" strike="noStrike">
+              <a:latin typeface="Arial"/>
+            </a:endParaRPr>
+          </a:p>
+        </p:txBody>
+      </p:sp>
+      <p:sp>
+        <p:nvSpPr>
+          <p:cNvPr id="62" name=""/>
+          <p:cNvSpPr txBox="1"/>
+          <p:nvPr/>
+        </p:nvSpPr>
+        <p:spPr>
+          <a:xfrm>
+            <a:off x="6840000" y="3489840"/>
+            <a:ext cx="1260000" cy="1370160"/>
+          </a:xfrm>
+          <a:prstGeom prst="rect">
+            <a:avLst/>
+          </a:prstGeom>
+          <a:solidFill>
+            <a:srgbClr val="ffff6d"/>
+          </a:solidFill>
+          <a:ln w="0">
+            <a:noFill/>
+          </a:ln>
+        </p:spPr>
+        <p:txBody>
+          <a:bodyPr lIns="90000" rIns="90000" tIns="45000" bIns="45000" anchor="t">
+            <a:noAutofit/>
+          </a:bodyPr>
+          <a:p>
+            <a:pPr algn="ctr">
+              <a:lnSpc>
+                <a:spcPct val="100000"/>
+              </a:lnSpc>
+              <a:buNone/>
+            </a:pPr>
+            <a:r>
+              <a:rPr b="0" lang="es-AR" sz="1800" spc="-1" strike="noStrike">
+                <a:solidFill>
+                  <a:srgbClr val="000000"/>
+                </a:solidFill>
+                <a:latin typeface="Arial"/>
+                <a:ea typeface="DejaVu Sans"/>
+              </a:rPr>
+              <a:t>Frontend web</a:t>
+            </a:r>
+            <a:endParaRPr b="0" lang="es-AR" sz="1800" spc="-1" strike="noStrike">
+              <a:latin typeface="Arial"/>
+            </a:endParaRPr>
+          </a:p>
+          <a:p>
+            <a:pPr algn="ctr">
+              <a:lnSpc>
+                <a:spcPct val="100000"/>
+              </a:lnSpc>
+              <a:buNone/>
+            </a:pPr>
+            <a:r>
+              <a:rPr b="0" lang="es-AR" sz="1800" spc="-1" strike="noStrike">
+                <a:solidFill>
+                  <a:srgbClr val="000000"/>
+                </a:solidFill>
+                <a:latin typeface="Arial"/>
+                <a:ea typeface="DejaVu Sans"/>
+              </a:rPr>
+              <a:t>Acceso por navegador</a:t>
+            </a:r>
+            <a:endParaRPr b="0" lang="es-AR" sz="1800" spc="-1" strike="noStrike">
+              <a:latin typeface="Arial"/>
+            </a:endParaRPr>
+          </a:p>
+        </p:txBody>
+      </p:sp>
+      <p:sp>
+        <p:nvSpPr>
+          <p:cNvPr id="63" name=""/>
+          <p:cNvSpPr txBox="1"/>
+          <p:nvPr/>
+        </p:nvSpPr>
+        <p:spPr>
+          <a:xfrm>
+            <a:off x="360000" y="4077720"/>
+            <a:ext cx="2520000" cy="602280"/>
+          </a:xfrm>
+          <a:prstGeom prst="rect">
+            <a:avLst/>
+          </a:prstGeom>
+          <a:solidFill>
+            <a:srgbClr val="729fcf"/>
+          </a:solidFill>
+          <a:ln w="0">
+            <a:noFill/>
+          </a:ln>
+        </p:spPr>
+        <p:txBody>
+          <a:bodyPr lIns="90000" rIns="90000" tIns="45000" bIns="45000" anchor="t">
+            <a:noAutofit/>
+          </a:bodyPr>
+          <a:p>
+            <a:pPr algn="ctr">
+              <a:lnSpc>
+                <a:spcPct val="100000"/>
+              </a:lnSpc>
+              <a:buNone/>
+            </a:pPr>
+            <a:r>
+              <a:rPr b="0" lang="es-AR" sz="1800" spc="-1" strike="noStrike">
+                <a:solidFill>
+                  <a:srgbClr val="000000"/>
+                </a:solidFill>
+                <a:latin typeface="Arial"/>
+                <a:ea typeface="DejaVu Sans"/>
+              </a:rPr>
+              <a:t>Servidor backend</a:t>
+            </a:r>
+            <a:endParaRPr b="0" lang="es-AR" sz="1800" spc="-1" strike="noStrike">
+              <a:latin typeface="Arial"/>
+            </a:endParaRPr>
+          </a:p>
+          <a:p>
+            <a:pPr algn="ctr">
+              <a:lnSpc>
+                <a:spcPct val="100000"/>
+              </a:lnSpc>
+              <a:buNone/>
+            </a:pPr>
+            <a:r>
+              <a:rPr b="0" lang="es-AR" sz="1800" spc="-1" strike="noStrike">
+                <a:solidFill>
+                  <a:srgbClr val="000000"/>
+                </a:solidFill>
+                <a:latin typeface="Arial"/>
+                <a:ea typeface="DejaVu Sans"/>
+              </a:rPr>
+              <a:t>Raspberry Pi</a:t>
+            </a:r>
+            <a:endParaRPr b="0" lang="es-AR" sz="1800" spc="-1" strike="noStrike">
+              <a:latin typeface="Arial"/>
+            </a:endParaRPr>
+          </a:p>
+        </p:txBody>
+      </p:sp>
+      <p:sp>
+        <p:nvSpPr>
+          <p:cNvPr id="64" name=""/>
+          <p:cNvSpPr/>
+          <p:nvPr/>
+        </p:nvSpPr>
+        <p:spPr>
+          <a:xfrm>
+            <a:off x="2871360" y="4320000"/>
+            <a:ext cx="1440000" cy="360"/>
+          </a:xfrm>
+          <a:prstGeom prst="line">
+            <a:avLst/>
+          </a:prstGeom>
+          <a:ln w="0">
+            <a:solidFill>
+              <a:srgbClr val="000000"/>
+            </a:solidFill>
+            <a:prstDash val="dash"/>
+            <a:headEnd len="med" type="triangle" w="med"/>
+            <a:tailEnd len="med" type="triangle" w="med"/>
+          </a:ln>
+        </p:spPr>
+        <p:style>
+          <a:lnRef idx="0"/>
+          <a:fillRef idx="0"/>
+          <a:effectRef idx="0"/>
+          <a:fontRef idx="minor"/>
+        </p:style>
+      </p:sp>
+      <p:pic>
+        <p:nvPicPr>
+          <p:cNvPr id="65" name="" descr=""/>
+          <p:cNvPicPr/>
+          <p:nvPr/>
+        </p:nvPicPr>
+        <p:blipFill>
+          <a:blip r:embed="rId3"/>
+          <a:srcRect l="9307" t="22019" r="10266" b="27189"/>
+          <a:stretch/>
+        </p:blipFill>
+        <p:spPr>
+          <a:xfrm>
+            <a:off x="8100000" y="3489840"/>
+            <a:ext cx="810000" cy="540000"/>
+          </a:xfrm>
+          <a:prstGeom prst="rect">
+            <a:avLst/>
+          </a:prstGeom>
+          <a:ln w="0">
+            <a:noFill/>
+          </a:ln>
+        </p:spPr>
+      </p:pic>
+      <p:pic>
+        <p:nvPicPr>
+          <p:cNvPr id="66" name="" descr=""/>
+          <p:cNvPicPr/>
+          <p:nvPr/>
+        </p:nvPicPr>
+        <p:blipFill>
+          <a:blip r:embed="rId4"/>
+          <a:stretch/>
+        </p:blipFill>
+        <p:spPr>
+          <a:xfrm>
+            <a:off x="8280000" y="4029840"/>
+            <a:ext cx="494280" cy="708840"/>
+          </a:xfrm>
+          <a:prstGeom prst="rect">
+            <a:avLst/>
+          </a:prstGeom>
+          <a:ln w="0">
+            <a:noFill/>
+          </a:ln>
+        </p:spPr>
+      </p:pic>
     </p:spTree>
   </p:cSld>
   <mc:AlternateContent>
